--- a/images/locklessq_new.pptx
+++ b/images/locklessq_new.pptx
@@ -6,6 +6,7 @@
   </p:sldMasterIdLst>
   <p:sldIdLst>
     <p:sldId id="256" r:id="rId2"/>
+    <p:sldId id="257" r:id="rId3"/>
   </p:sldIdLst>
   <p:sldSz cx="12192000" cy="6858000"/>
   <p:notesSz cx="6858000" cy="9144000"/>
@@ -104,6 +105,11 @@
       </a:defRPr>
     </a:lvl9pPr>
   </p:defaultTextStyle>
+  <p:extLst>
+    <p:ext uri="{EFAFB233-063F-42B5-8137-9DF3F51BA10A}">
+      <p15:sldGuideLst xmlns:p15="http://schemas.microsoft.com/office/powerpoint/2012/main"/>
+    </p:ext>
+  </p:extLst>
 </p:presentation>
 </file>
 
@@ -254,7 +260,7 @@
           <a:p>
             <a:fld id="{76ADC07C-83E0-4B89-BE68-6E1FCA5FFADD}" type="datetimeFigureOut">
               <a:rPr lang="en-US" smtClean="0"/>
-              <a:t>5/15/2018</a:t>
+              <a:t>9/19/2018</a:t>
             </a:fld>
             <a:endParaRPr lang="en-US"/>
           </a:p>
@@ -452,7 +458,7 @@
           <a:p>
             <a:fld id="{76ADC07C-83E0-4B89-BE68-6E1FCA5FFADD}" type="datetimeFigureOut">
               <a:rPr lang="en-US" smtClean="0"/>
-              <a:t>5/15/2018</a:t>
+              <a:t>9/19/2018</a:t>
             </a:fld>
             <a:endParaRPr lang="en-US"/>
           </a:p>
@@ -660,7 +666,7 @@
           <a:p>
             <a:fld id="{76ADC07C-83E0-4B89-BE68-6E1FCA5FFADD}" type="datetimeFigureOut">
               <a:rPr lang="en-US" smtClean="0"/>
-              <a:t>5/15/2018</a:t>
+              <a:t>9/19/2018</a:t>
             </a:fld>
             <a:endParaRPr lang="en-US"/>
           </a:p>
@@ -858,7 +864,7 @@
           <a:p>
             <a:fld id="{76ADC07C-83E0-4B89-BE68-6E1FCA5FFADD}" type="datetimeFigureOut">
               <a:rPr lang="en-US" smtClean="0"/>
-              <a:t>5/15/2018</a:t>
+              <a:t>9/19/2018</a:t>
             </a:fld>
             <a:endParaRPr lang="en-US"/>
           </a:p>
@@ -1133,7 +1139,7 @@
           <a:p>
             <a:fld id="{76ADC07C-83E0-4B89-BE68-6E1FCA5FFADD}" type="datetimeFigureOut">
               <a:rPr lang="en-US" smtClean="0"/>
-              <a:t>5/15/2018</a:t>
+              <a:t>9/19/2018</a:t>
             </a:fld>
             <a:endParaRPr lang="en-US"/>
           </a:p>
@@ -1398,7 +1404,7 @@
           <a:p>
             <a:fld id="{76ADC07C-83E0-4B89-BE68-6E1FCA5FFADD}" type="datetimeFigureOut">
               <a:rPr lang="en-US" smtClean="0"/>
-              <a:t>5/15/2018</a:t>
+              <a:t>9/19/2018</a:t>
             </a:fld>
             <a:endParaRPr lang="en-US"/>
           </a:p>
@@ -1810,7 +1816,7 @@
           <a:p>
             <a:fld id="{76ADC07C-83E0-4B89-BE68-6E1FCA5FFADD}" type="datetimeFigureOut">
               <a:rPr lang="en-US" smtClean="0"/>
-              <a:t>5/15/2018</a:t>
+              <a:t>9/19/2018</a:t>
             </a:fld>
             <a:endParaRPr lang="en-US"/>
           </a:p>
@@ -1951,7 +1957,7 @@
           <a:p>
             <a:fld id="{76ADC07C-83E0-4B89-BE68-6E1FCA5FFADD}" type="datetimeFigureOut">
               <a:rPr lang="en-US" smtClean="0"/>
-              <a:t>5/15/2018</a:t>
+              <a:t>9/19/2018</a:t>
             </a:fld>
             <a:endParaRPr lang="en-US"/>
           </a:p>
@@ -2064,7 +2070,7 @@
           <a:p>
             <a:fld id="{76ADC07C-83E0-4B89-BE68-6E1FCA5FFADD}" type="datetimeFigureOut">
               <a:rPr lang="en-US" smtClean="0"/>
-              <a:t>5/15/2018</a:t>
+              <a:t>9/19/2018</a:t>
             </a:fld>
             <a:endParaRPr lang="en-US"/>
           </a:p>
@@ -2375,7 +2381,7 @@
           <a:p>
             <a:fld id="{76ADC07C-83E0-4B89-BE68-6E1FCA5FFADD}" type="datetimeFigureOut">
               <a:rPr lang="en-US" smtClean="0"/>
-              <a:t>5/15/2018</a:t>
+              <a:t>9/19/2018</a:t>
             </a:fld>
             <a:endParaRPr lang="en-US"/>
           </a:p>
@@ -2663,7 +2669,7 @@
           <a:p>
             <a:fld id="{76ADC07C-83E0-4B89-BE68-6E1FCA5FFADD}" type="datetimeFigureOut">
               <a:rPr lang="en-US" smtClean="0"/>
-              <a:t>5/15/2018</a:t>
+              <a:t>9/19/2018</a:t>
             </a:fld>
             <a:endParaRPr lang="en-US"/>
           </a:p>
@@ -2904,7 +2910,7 @@
           <a:p>
             <a:fld id="{76ADC07C-83E0-4B89-BE68-6E1FCA5FFADD}" type="datetimeFigureOut">
               <a:rPr lang="en-US" smtClean="0"/>
-              <a:t>5/15/2018</a:t>
+              <a:t>9/19/2018</a:t>
             </a:fld>
             <a:endParaRPr lang="en-US"/>
           </a:p>
@@ -3336,7 +3342,7 @@
         <p:spPr>
           <a:xfrm>
             <a:off x="3057236" y="2096654"/>
-            <a:ext cx="3038761" cy="2013527"/>
+            <a:ext cx="3038761" cy="983431"/>
           </a:xfrm>
           <a:prstGeom prst="rect">
             <a:avLst/>
@@ -3371,10 +3377,10 @@
       </p:sp>
       <p:sp>
         <p:nvSpPr>
-          <p:cNvPr id="3" name="Rectangle 2">
-            <a:extLst>
-              <a:ext uri="{FF2B5EF4-FFF2-40B4-BE49-F238E27FC236}">
-                <a16:creationId xmlns:a16="http://schemas.microsoft.com/office/drawing/2014/main" id="{50434BEE-0420-492E-856B-384F25676F4D}"/>
+          <p:cNvPr id="4" name="Rectangle 3">
+            <a:extLst>
+              <a:ext uri="{FF2B5EF4-FFF2-40B4-BE49-F238E27FC236}">
+                <a16:creationId xmlns:a16="http://schemas.microsoft.com/office/drawing/2014/main" id="{ED7CBAB1-DC12-4F82-9F4F-6B74422942AA}"/>
               </a:ext>
             </a:extLst>
           </p:cNvPr>
@@ -3383,8 +3389,8 @@
         </p:nvSpPr>
         <p:spPr>
           <a:xfrm>
-            <a:off x="3292763" y="3306618"/>
-            <a:ext cx="2600037" cy="378691"/>
+            <a:off x="3292763" y="2255979"/>
+            <a:ext cx="2600038" cy="378691"/>
           </a:xfrm>
           <a:prstGeom prst="rect">
             <a:avLst/>
@@ -3412,17 +3418,17 @@
             <a:pPr algn="ctr"/>
             <a:r>
               <a:rPr lang="en-US" dirty="0"/>
-              <a:t>Emergency ring buffer</a:t>
-            </a:r>
-          </a:p>
-        </p:txBody>
-      </p:sp>
-      <p:sp>
-        <p:nvSpPr>
-          <p:cNvPr id="4" name="Rectangle 3">
-            <a:extLst>
-              <a:ext uri="{FF2B5EF4-FFF2-40B4-BE49-F238E27FC236}">
-                <a16:creationId xmlns:a16="http://schemas.microsoft.com/office/drawing/2014/main" id="{ED7CBAB1-DC12-4F82-9F4F-6B74422942AA}"/>
+              <a:t>Data ring buffer</a:t>
+            </a:r>
+          </a:p>
+        </p:txBody>
+      </p:sp>
+      <p:sp>
+        <p:nvSpPr>
+          <p:cNvPr id="6" name="Rectangle 5">
+            <a:extLst>
+              <a:ext uri="{FF2B5EF4-FFF2-40B4-BE49-F238E27FC236}">
+                <a16:creationId xmlns:a16="http://schemas.microsoft.com/office/drawing/2014/main" id="{C422E90F-A28A-445A-9CB4-46A22D4B140C}"/>
               </a:ext>
             </a:extLst>
           </p:cNvPr>
@@ -3431,8 +3437,8 @@
         </p:nvSpPr>
         <p:spPr>
           <a:xfrm>
-            <a:off x="3292763" y="2255979"/>
-            <a:ext cx="2600038" cy="378691"/>
+            <a:off x="120319" y="2096653"/>
+            <a:ext cx="2819153" cy="983432"/>
           </a:xfrm>
           <a:prstGeom prst="rect">
             <a:avLst/>
@@ -3454,23 +3460,23 @@
           </a:fontRef>
         </p:style>
         <p:txBody>
-          <a:bodyPr rtlCol="0" anchor="ctr"/>
+          <a:bodyPr rtlCol="0" anchor="b"/>
           <a:lstStyle/>
           <a:p>
             <a:pPr algn="ctr"/>
             <a:r>
               <a:rPr lang="en-US" dirty="0"/>
-              <a:t>Data ring buffer</a:t>
-            </a:r>
-          </a:p>
-        </p:txBody>
-      </p:sp>
-      <p:sp>
-        <p:nvSpPr>
-          <p:cNvPr id="5" name="Rectangle 4">
-            <a:extLst>
-              <a:ext uri="{FF2B5EF4-FFF2-40B4-BE49-F238E27FC236}">
-                <a16:creationId xmlns:a16="http://schemas.microsoft.com/office/drawing/2014/main" id="{579EB1CD-3A17-497A-A499-A5D0E14226D3}"/>
+              <a:t>Sender Shared Memory</a:t>
+            </a:r>
+          </a:p>
+        </p:txBody>
+      </p:sp>
+      <p:sp>
+        <p:nvSpPr>
+          <p:cNvPr id="7" name="Rectangle 6">
+            <a:extLst>
+              <a:ext uri="{FF2B5EF4-FFF2-40B4-BE49-F238E27FC236}">
+                <a16:creationId xmlns:a16="http://schemas.microsoft.com/office/drawing/2014/main" id="{8BAF9756-F6D7-4E0D-8F1A-9302F03ED92C}"/>
               </a:ext>
             </a:extLst>
           </p:cNvPr>
@@ -3479,8 +3485,8 @@
         </p:nvSpPr>
         <p:spPr>
           <a:xfrm>
-            <a:off x="3292763" y="2775526"/>
-            <a:ext cx="2600038" cy="378691"/>
+            <a:off x="478300" y="2263556"/>
+            <a:ext cx="2124365" cy="378691"/>
           </a:xfrm>
           <a:prstGeom prst="rect">
             <a:avLst/>
@@ -3508,151 +3514,7 @@
             <a:pPr algn="ctr"/>
             <a:r>
               <a:rPr lang="en-US" dirty="0"/>
-              <a:t>Headroom slots</a:t>
-            </a:r>
-          </a:p>
-        </p:txBody>
-      </p:sp>
-      <p:sp>
-        <p:nvSpPr>
-          <p:cNvPr id="6" name="Rectangle 5">
-            <a:extLst>
-              <a:ext uri="{FF2B5EF4-FFF2-40B4-BE49-F238E27FC236}">
-                <a16:creationId xmlns:a16="http://schemas.microsoft.com/office/drawing/2014/main" id="{C422E90F-A28A-445A-9CB4-46A22D4B140C}"/>
-              </a:ext>
-            </a:extLst>
-          </p:cNvPr>
-          <p:cNvSpPr/>
-          <p:nvPr/>
-        </p:nvSpPr>
-        <p:spPr>
-          <a:xfrm>
-            <a:off x="427183" y="2096652"/>
-            <a:ext cx="2512289" cy="2013527"/>
-          </a:xfrm>
-          <a:prstGeom prst="rect">
-            <a:avLst/>
-          </a:prstGeom>
-          <a:ln w="38100"/>
-        </p:spPr>
-        <p:style>
-          <a:lnRef idx="2">
-            <a:schemeClr val="dk1"/>
-          </a:lnRef>
-          <a:fillRef idx="1">
-            <a:schemeClr val="lt1"/>
-          </a:fillRef>
-          <a:effectRef idx="0">
-            <a:schemeClr val="dk1"/>
-          </a:effectRef>
-          <a:fontRef idx="minor">
-            <a:schemeClr val="dk1"/>
-          </a:fontRef>
-        </p:style>
-        <p:txBody>
-          <a:bodyPr rtlCol="0" anchor="b"/>
-          <a:lstStyle/>
-          <a:p>
-            <a:pPr algn="ctr"/>
-            <a:r>
-              <a:rPr lang="en-US" dirty="0"/>
-              <a:t>Sender Shared Memory</a:t>
-            </a:r>
-          </a:p>
-        </p:txBody>
-      </p:sp>
-      <p:sp>
-        <p:nvSpPr>
-          <p:cNvPr id="7" name="Rectangle 6">
-            <a:extLst>
-              <a:ext uri="{FF2B5EF4-FFF2-40B4-BE49-F238E27FC236}">
-                <a16:creationId xmlns:a16="http://schemas.microsoft.com/office/drawing/2014/main" id="{8BAF9756-F6D7-4E0D-8F1A-9302F03ED92C}"/>
-              </a:ext>
-            </a:extLst>
-          </p:cNvPr>
-          <p:cNvSpPr/>
-          <p:nvPr/>
-        </p:nvSpPr>
-        <p:spPr>
-          <a:xfrm>
-            <a:off x="618835" y="2255979"/>
-            <a:ext cx="2124365" cy="607294"/>
-          </a:xfrm>
-          <a:prstGeom prst="rect">
-            <a:avLst/>
-          </a:prstGeom>
-          <a:ln w="38100"/>
-        </p:spPr>
-        <p:style>
-          <a:lnRef idx="2">
-            <a:schemeClr val="dk1"/>
-          </a:lnRef>
-          <a:fillRef idx="1">
-            <a:schemeClr val="lt1"/>
-          </a:fillRef>
-          <a:effectRef idx="0">
-            <a:schemeClr val="dk1"/>
-          </a:effectRef>
-          <a:fontRef idx="minor">
-            <a:schemeClr val="dk1"/>
-          </a:fontRef>
-        </p:style>
-        <p:txBody>
-          <a:bodyPr rtlCol="0" anchor="ctr"/>
-          <a:lstStyle/>
-          <a:p>
-            <a:pPr algn="ctr"/>
-            <a:r>
-              <a:rPr lang="en-US" dirty="0"/>
-              <a:t>Credit return flag (data queue)</a:t>
-            </a:r>
-          </a:p>
-        </p:txBody>
-      </p:sp>
-      <p:sp>
-        <p:nvSpPr>
-          <p:cNvPr id="8" name="Rectangle 7">
-            <a:extLst>
-              <a:ext uri="{FF2B5EF4-FFF2-40B4-BE49-F238E27FC236}">
-                <a16:creationId xmlns:a16="http://schemas.microsoft.com/office/drawing/2014/main" id="{F7238DC3-0E4E-4F6F-9ECB-3B202016938B}"/>
-              </a:ext>
-            </a:extLst>
-          </p:cNvPr>
-          <p:cNvSpPr/>
-          <p:nvPr/>
-        </p:nvSpPr>
-        <p:spPr>
-          <a:xfrm>
-            <a:off x="618835" y="3078015"/>
-            <a:ext cx="2124365" cy="607294"/>
-          </a:xfrm>
-          <a:prstGeom prst="rect">
-            <a:avLst/>
-          </a:prstGeom>
-          <a:ln w="38100"/>
-        </p:spPr>
-        <p:style>
-          <a:lnRef idx="2">
-            <a:schemeClr val="dk1"/>
-          </a:lnRef>
-          <a:fillRef idx="1">
-            <a:schemeClr val="lt1"/>
-          </a:fillRef>
-          <a:effectRef idx="0">
-            <a:schemeClr val="dk1"/>
-          </a:effectRef>
-          <a:fontRef idx="minor">
-            <a:schemeClr val="dk1"/>
-          </a:fontRef>
-        </p:style>
-        <p:txBody>
-          <a:bodyPr rtlCol="0" anchor="ctr"/>
-          <a:lstStyle/>
-          <a:p>
-            <a:pPr algn="ctr"/>
-            <a:r>
-              <a:rPr lang="en-US" dirty="0"/>
-              <a:t>Credit return flag (emergency queue)</a:t>
+              <a:t>Credit return flag</a:t>
             </a:r>
           </a:p>
         </p:txBody>
@@ -3712,8 +3574,8 @@
         </p:nvSpPr>
         <p:spPr>
           <a:xfrm>
-            <a:off x="2041237" y="1564556"/>
-            <a:ext cx="4054763" cy="369332"/>
+            <a:off x="2538293" y="1564556"/>
+            <a:ext cx="3557707" cy="369332"/>
           </a:xfrm>
           <a:prstGeom prst="rect">
             <a:avLst/>
@@ -3757,7 +3619,7 @@
         </p:nvCxnSpPr>
         <p:spPr>
           <a:xfrm>
-            <a:off x="2775528" y="1566679"/>
+            <a:off x="3263902" y="1557505"/>
             <a:ext cx="0" cy="378691"/>
           </a:xfrm>
           <a:prstGeom prst="line">
@@ -3798,7 +3660,7 @@
         </p:nvSpPr>
         <p:spPr>
           <a:xfrm>
-            <a:off x="2041238" y="1568078"/>
+            <a:off x="2538293" y="1563990"/>
             <a:ext cx="1096817" cy="369332"/>
           </a:xfrm>
           <a:prstGeom prst="rect">
@@ -3822,10 +3684,10 @@
       </p:sp>
       <p:sp>
         <p:nvSpPr>
-          <p:cNvPr id="14" name="TextBox 13">
-            <a:extLst>
-              <a:ext uri="{FF2B5EF4-FFF2-40B4-BE49-F238E27FC236}">
-                <a16:creationId xmlns:a16="http://schemas.microsoft.com/office/drawing/2014/main" id="{58674856-A014-43F3-A041-F9FC06B35299}"/>
+          <p:cNvPr id="16" name="TextBox 15">
+            <a:extLst>
+              <a:ext uri="{FF2B5EF4-FFF2-40B4-BE49-F238E27FC236}">
+                <a16:creationId xmlns:a16="http://schemas.microsoft.com/office/drawing/2014/main" id="{65A73A22-1B66-4ADA-B08C-AB3951CC0223}"/>
               </a:ext>
             </a:extLst>
           </p:cNvPr>
@@ -3834,84 +3696,7 @@
         </p:nvSpPr>
         <p:spPr>
           <a:xfrm>
-            <a:off x="2775528" y="1559997"/>
-            <a:ext cx="1096817" cy="369332"/>
-          </a:xfrm>
-          <a:prstGeom prst="rect">
-            <a:avLst/>
-          </a:prstGeom>
-          <a:noFill/>
-        </p:spPr>
-        <p:txBody>
-          <a:bodyPr wrap="square" rtlCol="0">
-            <a:spAutoFit/>
-          </a:bodyPr>
-          <a:lstStyle/>
-          <a:p>
-            <a:r>
-              <a:rPr lang="en-US" dirty="0" err="1"/>
-              <a:t>isdel</a:t>
-            </a:r>
-            <a:endParaRPr lang="en-US" dirty="0"/>
-          </a:p>
-        </p:txBody>
-      </p:sp>
-      <p:cxnSp>
-        <p:nvCxnSpPr>
-          <p:cNvPr id="15" name="Straight Connector 14">
-            <a:extLst>
-              <a:ext uri="{FF2B5EF4-FFF2-40B4-BE49-F238E27FC236}">
-                <a16:creationId xmlns:a16="http://schemas.microsoft.com/office/drawing/2014/main" id="{86DD7B2D-CBB5-4585-9128-7C9FA28FA3F4}"/>
-              </a:ext>
-            </a:extLst>
-          </p:cNvPr>
-          <p:cNvCxnSpPr/>
-          <p:nvPr/>
-        </p:nvCxnSpPr>
-        <p:spPr>
-          <a:xfrm>
-            <a:off x="3362040" y="1571359"/>
-            <a:ext cx="0" cy="378691"/>
-          </a:xfrm>
-          <a:prstGeom prst="line">
-            <a:avLst/>
-          </a:prstGeom>
-          <a:ln w="38100">
-            <a:solidFill>
-              <a:schemeClr val="tx1"/>
-            </a:solidFill>
-          </a:ln>
-        </p:spPr>
-        <p:style>
-          <a:lnRef idx="1">
-            <a:schemeClr val="accent1"/>
-          </a:lnRef>
-          <a:fillRef idx="0">
-            <a:schemeClr val="accent1"/>
-          </a:fillRef>
-          <a:effectRef idx="0">
-            <a:schemeClr val="accent1"/>
-          </a:effectRef>
-          <a:fontRef idx="minor">
-            <a:schemeClr val="tx1"/>
-          </a:fontRef>
-        </p:style>
-      </p:cxnSp>
-      <p:sp>
-        <p:nvSpPr>
-          <p:cNvPr id="16" name="TextBox 15">
-            <a:extLst>
-              <a:ext uri="{FF2B5EF4-FFF2-40B4-BE49-F238E27FC236}">
-                <a16:creationId xmlns:a16="http://schemas.microsoft.com/office/drawing/2014/main" id="{65A73A22-1B66-4ADA-B08C-AB3951CC0223}"/>
-              </a:ext>
-            </a:extLst>
-          </p:cNvPr>
-          <p:cNvSpPr txBox="1"/>
-          <p:nvPr/>
-        </p:nvSpPr>
-        <p:spPr>
-          <a:xfrm>
-            <a:off x="3308930" y="1555439"/>
+            <a:off x="3263902" y="1562185"/>
             <a:ext cx="1096817" cy="369332"/>
           </a:xfrm>
           <a:prstGeom prst="rect">
@@ -4174,7 +3959,7 @@
         </p:nvSpPr>
         <p:spPr>
           <a:xfrm>
-            <a:off x="1049252" y="1555439"/>
+            <a:off x="1540482" y="1555439"/>
             <a:ext cx="1009892" cy="369332"/>
           </a:xfrm>
           <a:prstGeom prst="rect">
@@ -4211,8 +3996,8 @@
         </p:nvCxnSpPr>
         <p:spPr>
           <a:xfrm>
-            <a:off x="2041234" y="1943005"/>
-            <a:ext cx="1251529" cy="312974"/>
+            <a:off x="2538293" y="1950050"/>
+            <a:ext cx="754470" cy="305929"/>
           </a:xfrm>
           <a:prstGeom prst="line">
             <a:avLst/>
@@ -4394,12 +4179,108 @@
           </a:fontRef>
         </p:style>
       </p:cxnSp>
+      <p:sp>
+        <p:nvSpPr>
+          <p:cNvPr id="40" name="Rectangle 39">
+            <a:extLst>
+              <a:ext uri="{FF2B5EF4-FFF2-40B4-BE49-F238E27FC236}">
+                <a16:creationId xmlns:a16="http://schemas.microsoft.com/office/drawing/2014/main" id="{53C43635-8896-4A18-809C-E041E7D097F4}"/>
+              </a:ext>
+            </a:extLst>
+          </p:cNvPr>
+          <p:cNvSpPr/>
+          <p:nvPr/>
+        </p:nvSpPr>
+        <p:spPr>
+          <a:xfrm>
+            <a:off x="3057235" y="3240543"/>
+            <a:ext cx="3038761" cy="1361479"/>
+          </a:xfrm>
+          <a:prstGeom prst="rect">
+            <a:avLst/>
+          </a:prstGeom>
+          <a:ln w="38100"/>
+        </p:spPr>
+        <p:style>
+          <a:lnRef idx="2">
+            <a:schemeClr val="dk1"/>
+          </a:lnRef>
+          <a:fillRef idx="1">
+            <a:schemeClr val="lt1"/>
+          </a:fillRef>
+          <a:effectRef idx="0">
+            <a:schemeClr val="dk1"/>
+          </a:effectRef>
+          <a:fontRef idx="minor">
+            <a:schemeClr val="dk1"/>
+          </a:fontRef>
+        </p:style>
+        <p:txBody>
+          <a:bodyPr rtlCol="0" anchor="t"/>
+          <a:lstStyle/>
+          <a:p>
+            <a:pPr algn="ctr"/>
+            <a:r>
+              <a:rPr lang="en-US" dirty="0"/>
+              <a:t>Receiver Exclusive Memory</a:t>
+            </a:r>
+          </a:p>
+        </p:txBody>
+      </p:sp>
+      <p:sp>
+        <p:nvSpPr>
+          <p:cNvPr id="30" name="Rectangle 29">
+            <a:extLst>
+              <a:ext uri="{FF2B5EF4-FFF2-40B4-BE49-F238E27FC236}">
+                <a16:creationId xmlns:a16="http://schemas.microsoft.com/office/drawing/2014/main" id="{B0BE496E-9F00-448D-990A-6FB21EB33F33}"/>
+              </a:ext>
+            </a:extLst>
+          </p:cNvPr>
+          <p:cNvSpPr/>
+          <p:nvPr/>
+        </p:nvSpPr>
+        <p:spPr>
+          <a:xfrm>
+            <a:off x="3292763" y="3619234"/>
+            <a:ext cx="2600038" cy="378691"/>
+          </a:xfrm>
+          <a:prstGeom prst="rect">
+            <a:avLst/>
+          </a:prstGeom>
+          <a:ln w="38100"/>
+        </p:spPr>
+        <p:style>
+          <a:lnRef idx="2">
+            <a:schemeClr val="dk1"/>
+          </a:lnRef>
+          <a:fillRef idx="1">
+            <a:schemeClr val="lt1"/>
+          </a:fillRef>
+          <a:effectRef idx="0">
+            <a:schemeClr val="dk1"/>
+          </a:effectRef>
+          <a:fontRef idx="minor">
+            <a:schemeClr val="dk1"/>
+          </a:fontRef>
+        </p:style>
+        <p:txBody>
+          <a:bodyPr rtlCol="0" anchor="ctr"/>
+          <a:lstStyle/>
+          <a:p>
+            <a:pPr algn="ctr"/>
+            <a:r>
+              <a:rPr lang="en-US" dirty="0"/>
+              <a:t>Shadow ring buffer</a:t>
+            </a:r>
+          </a:p>
+        </p:txBody>
+      </p:sp>
       <p:cxnSp>
         <p:nvCxnSpPr>
           <p:cNvPr id="34" name="Straight Connector 33">
             <a:extLst>
               <a:ext uri="{FF2B5EF4-FFF2-40B4-BE49-F238E27FC236}">
-                <a16:creationId xmlns:a16="http://schemas.microsoft.com/office/drawing/2014/main" id="{685B26A9-97A8-4DDD-A1D4-F749411CFF69}"/>
+                <a16:creationId xmlns:a16="http://schemas.microsoft.com/office/drawing/2014/main" id="{E94FD69E-1FB2-47A6-B4E3-8D35A7CD116A}"/>
               </a:ext>
             </a:extLst>
           </p:cNvPr>
@@ -4408,48 +4289,7 @@
         </p:nvCxnSpPr>
         <p:spPr>
           <a:xfrm>
-            <a:off x="3528291" y="2775526"/>
-            <a:ext cx="0" cy="378691"/>
-          </a:xfrm>
-          <a:prstGeom prst="line">
-            <a:avLst/>
-          </a:prstGeom>
-          <a:ln w="38100">
-            <a:solidFill>
-              <a:schemeClr val="tx1"/>
-            </a:solidFill>
-          </a:ln>
-        </p:spPr>
-        <p:style>
-          <a:lnRef idx="1">
-            <a:schemeClr val="accent1"/>
-          </a:lnRef>
-          <a:fillRef idx="0">
-            <a:schemeClr val="accent1"/>
-          </a:fillRef>
-          <a:effectRef idx="0">
-            <a:schemeClr val="accent1"/>
-          </a:effectRef>
-          <a:fontRef idx="minor">
-            <a:schemeClr val="tx1"/>
-          </a:fontRef>
-        </p:style>
-      </p:cxnSp>
-      <p:cxnSp>
-        <p:nvCxnSpPr>
-          <p:cNvPr id="35" name="Straight Connector 34">
-            <a:extLst>
-              <a:ext uri="{FF2B5EF4-FFF2-40B4-BE49-F238E27FC236}">
-                <a16:creationId xmlns:a16="http://schemas.microsoft.com/office/drawing/2014/main" id="{5E13862A-B677-4783-8CF3-BF4228FEA902}"/>
-              </a:ext>
-            </a:extLst>
-          </p:cNvPr>
-          <p:cNvCxnSpPr/>
-          <p:nvPr/>
-        </p:nvCxnSpPr>
-        <p:spPr>
-          <a:xfrm>
-            <a:off x="3749964" y="2775526"/>
+            <a:off x="3528291" y="3619234"/>
             <a:ext cx="0" cy="378691"/>
           </a:xfrm>
           <a:prstGeom prst="line">
@@ -4481,7 +4321,7 @@
           <p:cNvPr id="36" name="Straight Connector 35">
             <a:extLst>
               <a:ext uri="{FF2B5EF4-FFF2-40B4-BE49-F238E27FC236}">
-                <a16:creationId xmlns:a16="http://schemas.microsoft.com/office/drawing/2014/main" id="{B864184F-8F92-4D6E-A589-C7F47A33A0B2}"/>
+                <a16:creationId xmlns:a16="http://schemas.microsoft.com/office/drawing/2014/main" id="{78F245F7-886A-4D56-91AC-55F2BEE6CBA7}"/>
               </a:ext>
             </a:extLst>
           </p:cNvPr>
@@ -4490,7 +4330,632 @@
         </p:nvCxnSpPr>
         <p:spPr>
           <a:xfrm>
-            <a:off x="5444837" y="2775526"/>
+            <a:off x="5661891" y="3621540"/>
+            <a:ext cx="0" cy="378691"/>
+          </a:xfrm>
+          <a:prstGeom prst="line">
+            <a:avLst/>
+          </a:prstGeom>
+          <a:ln w="38100">
+            <a:solidFill>
+              <a:schemeClr val="tx1"/>
+            </a:solidFill>
+          </a:ln>
+        </p:spPr>
+        <p:style>
+          <a:lnRef idx="1">
+            <a:schemeClr val="accent1"/>
+          </a:lnRef>
+          <a:fillRef idx="0">
+            <a:schemeClr val="accent1"/>
+          </a:fillRef>
+          <a:effectRef idx="0">
+            <a:schemeClr val="accent1"/>
+          </a:effectRef>
+          <a:fontRef idx="minor">
+            <a:schemeClr val="tx1"/>
+          </a:fontRef>
+        </p:style>
+      </p:cxnSp>
+      <p:sp>
+        <p:nvSpPr>
+          <p:cNvPr id="41" name="Rectangle 40">
+            <a:extLst>
+              <a:ext uri="{FF2B5EF4-FFF2-40B4-BE49-F238E27FC236}">
+                <a16:creationId xmlns:a16="http://schemas.microsoft.com/office/drawing/2014/main" id="{21A965E4-E3EE-48F8-A65B-39F2E0FC98CF}"/>
+              </a:ext>
+            </a:extLst>
+          </p:cNvPr>
+          <p:cNvSpPr/>
+          <p:nvPr/>
+        </p:nvSpPr>
+        <p:spPr>
+          <a:xfrm>
+            <a:off x="2538293" y="4786729"/>
+            <a:ext cx="3557703" cy="386735"/>
+          </a:xfrm>
+          <a:prstGeom prst="rect">
+            <a:avLst/>
+          </a:prstGeom>
+          <a:ln w="38100"/>
+        </p:spPr>
+        <p:style>
+          <a:lnRef idx="2">
+            <a:schemeClr val="dk1"/>
+          </a:lnRef>
+          <a:fillRef idx="1">
+            <a:schemeClr val="lt1"/>
+          </a:fillRef>
+          <a:effectRef idx="0">
+            <a:schemeClr val="dk1"/>
+          </a:effectRef>
+          <a:fontRef idx="minor">
+            <a:schemeClr val="dk1"/>
+          </a:fontRef>
+        </p:style>
+        <p:txBody>
+          <a:bodyPr rtlCol="0" anchor="b"/>
+          <a:lstStyle/>
+          <a:p>
+            <a:pPr algn="ctr"/>
+            <a:endParaRPr lang="en-US" dirty="0"/>
+          </a:p>
+        </p:txBody>
+      </p:sp>
+      <p:cxnSp>
+        <p:nvCxnSpPr>
+          <p:cNvPr id="42" name="Straight Connector 41">
+            <a:extLst>
+              <a:ext uri="{FF2B5EF4-FFF2-40B4-BE49-F238E27FC236}">
+                <a16:creationId xmlns:a16="http://schemas.microsoft.com/office/drawing/2014/main" id="{9C6C0D28-0AD2-4B1C-8BD5-CE74836AF62E}"/>
+              </a:ext>
+            </a:extLst>
+          </p:cNvPr>
+          <p:cNvCxnSpPr/>
+          <p:nvPr/>
+        </p:nvCxnSpPr>
+        <p:spPr>
+          <a:xfrm>
+            <a:off x="3129573" y="4777370"/>
+            <a:ext cx="0" cy="378691"/>
+          </a:xfrm>
+          <a:prstGeom prst="line">
+            <a:avLst/>
+          </a:prstGeom>
+          <a:ln w="38100">
+            <a:solidFill>
+              <a:schemeClr val="tx1"/>
+            </a:solidFill>
+          </a:ln>
+        </p:spPr>
+        <p:style>
+          <a:lnRef idx="1">
+            <a:schemeClr val="accent1"/>
+          </a:lnRef>
+          <a:fillRef idx="0">
+            <a:schemeClr val="accent1"/>
+          </a:fillRef>
+          <a:effectRef idx="0">
+            <a:schemeClr val="accent1"/>
+          </a:effectRef>
+          <a:fontRef idx="minor">
+            <a:schemeClr val="tx1"/>
+          </a:fontRef>
+        </p:style>
+      </p:cxnSp>
+      <p:sp>
+        <p:nvSpPr>
+          <p:cNvPr id="43" name="TextBox 42">
+            <a:extLst>
+              <a:ext uri="{FF2B5EF4-FFF2-40B4-BE49-F238E27FC236}">
+                <a16:creationId xmlns:a16="http://schemas.microsoft.com/office/drawing/2014/main" id="{35078A07-5941-4781-A855-05B61318E6BF}"/>
+              </a:ext>
+            </a:extLst>
+          </p:cNvPr>
+          <p:cNvSpPr txBox="1"/>
+          <p:nvPr/>
+        </p:nvSpPr>
+        <p:spPr>
+          <a:xfrm>
+            <a:off x="2539663" y="4790251"/>
+            <a:ext cx="663338" cy="369332"/>
+          </a:xfrm>
+          <a:prstGeom prst="rect">
+            <a:avLst/>
+          </a:prstGeom>
+          <a:noFill/>
+        </p:spPr>
+        <p:txBody>
+          <a:bodyPr wrap="square" rtlCol="0">
+            <a:spAutoFit/>
+          </a:bodyPr>
+          <a:lstStyle/>
+          <a:p>
+            <a:r>
+              <a:rPr lang="en-US" dirty="0" err="1"/>
+              <a:t>isdel</a:t>
+            </a:r>
+            <a:endParaRPr lang="en-US" dirty="0"/>
+          </a:p>
+        </p:txBody>
+      </p:sp>
+      <p:sp>
+        <p:nvSpPr>
+          <p:cNvPr id="44" name="TextBox 43">
+            <a:extLst>
+              <a:ext uri="{FF2B5EF4-FFF2-40B4-BE49-F238E27FC236}">
+                <a16:creationId xmlns:a16="http://schemas.microsoft.com/office/drawing/2014/main" id="{DCEA4F15-9DA5-49EA-AACD-13338CC5FC1A}"/>
+              </a:ext>
+            </a:extLst>
+          </p:cNvPr>
+          <p:cNvSpPr txBox="1"/>
+          <p:nvPr/>
+        </p:nvSpPr>
+        <p:spPr>
+          <a:xfrm>
+            <a:off x="3129573" y="4786729"/>
+            <a:ext cx="1096817" cy="369332"/>
+          </a:xfrm>
+          <a:prstGeom prst="rect">
+            <a:avLst/>
+          </a:prstGeom>
+          <a:noFill/>
+        </p:spPr>
+        <p:txBody>
+          <a:bodyPr wrap="square" rtlCol="0">
+            <a:spAutoFit/>
+          </a:bodyPr>
+          <a:lstStyle/>
+          <a:p>
+            <a:r>
+              <a:rPr lang="en-US" dirty="0" err="1"/>
+              <a:t>nextptr</a:t>
+            </a:r>
+            <a:endParaRPr lang="en-US" dirty="0"/>
+          </a:p>
+        </p:txBody>
+      </p:sp>
+      <p:sp>
+        <p:nvSpPr>
+          <p:cNvPr id="53" name="TextBox 52">
+            <a:extLst>
+              <a:ext uri="{FF2B5EF4-FFF2-40B4-BE49-F238E27FC236}">
+                <a16:creationId xmlns:a16="http://schemas.microsoft.com/office/drawing/2014/main" id="{AACEEEDD-C75A-4071-AA9C-39A9AE8E6199}"/>
+              </a:ext>
+            </a:extLst>
+          </p:cNvPr>
+          <p:cNvSpPr txBox="1"/>
+          <p:nvPr/>
+        </p:nvSpPr>
+        <p:spPr>
+          <a:xfrm>
+            <a:off x="1534104" y="4797192"/>
+            <a:ext cx="1009892" cy="369332"/>
+          </a:xfrm>
+          <a:prstGeom prst="rect">
+            <a:avLst/>
+          </a:prstGeom>
+          <a:noFill/>
+        </p:spPr>
+        <p:txBody>
+          <a:bodyPr wrap="none" rtlCol="0">
+            <a:spAutoFit/>
+          </a:bodyPr>
+          <a:lstStyle/>
+          <a:p>
+            <a:r>
+              <a:rPr lang="en-US" dirty="0"/>
+              <a:t>Message</a:t>
+            </a:r>
+          </a:p>
+        </p:txBody>
+      </p:sp>
+      <p:cxnSp>
+        <p:nvCxnSpPr>
+          <p:cNvPr id="59" name="Straight Connector 58">
+            <a:extLst>
+              <a:ext uri="{FF2B5EF4-FFF2-40B4-BE49-F238E27FC236}">
+                <a16:creationId xmlns:a16="http://schemas.microsoft.com/office/drawing/2014/main" id="{71A0B188-E097-4552-830A-FCAF45E39222}"/>
+              </a:ext>
+            </a:extLst>
+          </p:cNvPr>
+          <p:cNvCxnSpPr/>
+          <p:nvPr/>
+        </p:nvCxnSpPr>
+        <p:spPr>
+          <a:xfrm>
+            <a:off x="3971454" y="4777370"/>
+            <a:ext cx="0" cy="378691"/>
+          </a:xfrm>
+          <a:prstGeom prst="line">
+            <a:avLst/>
+          </a:prstGeom>
+          <a:ln w="38100">
+            <a:solidFill>
+              <a:schemeClr val="tx1"/>
+            </a:solidFill>
+          </a:ln>
+        </p:spPr>
+        <p:style>
+          <a:lnRef idx="1">
+            <a:schemeClr val="accent1"/>
+          </a:lnRef>
+          <a:fillRef idx="0">
+            <a:schemeClr val="accent1"/>
+          </a:fillRef>
+          <a:effectRef idx="0">
+            <a:schemeClr val="accent1"/>
+          </a:effectRef>
+          <a:fontRef idx="minor">
+            <a:schemeClr val="tx1"/>
+          </a:fontRef>
+        </p:style>
+      </p:cxnSp>
+      <p:sp>
+        <p:nvSpPr>
+          <p:cNvPr id="92" name="Rectangle 91">
+            <a:extLst>
+              <a:ext uri="{FF2B5EF4-FFF2-40B4-BE49-F238E27FC236}">
+                <a16:creationId xmlns:a16="http://schemas.microsoft.com/office/drawing/2014/main" id="{91F90558-54AA-4232-887E-61BD55F07918}"/>
+              </a:ext>
+            </a:extLst>
+          </p:cNvPr>
+          <p:cNvSpPr/>
+          <p:nvPr/>
+        </p:nvSpPr>
+        <p:spPr>
+          <a:xfrm>
+            <a:off x="120319" y="3251967"/>
+            <a:ext cx="2814702" cy="1350055"/>
+          </a:xfrm>
+          <a:prstGeom prst="rect">
+            <a:avLst/>
+          </a:prstGeom>
+          <a:ln w="38100"/>
+        </p:spPr>
+        <p:style>
+          <a:lnRef idx="2">
+            <a:schemeClr val="dk1"/>
+          </a:lnRef>
+          <a:fillRef idx="1">
+            <a:schemeClr val="lt1"/>
+          </a:fillRef>
+          <a:effectRef idx="0">
+            <a:schemeClr val="dk1"/>
+          </a:effectRef>
+          <a:fontRef idx="minor">
+            <a:schemeClr val="dk1"/>
+          </a:fontRef>
+        </p:style>
+        <p:txBody>
+          <a:bodyPr rtlCol="0" anchor="t"/>
+          <a:lstStyle/>
+          <a:p>
+            <a:pPr algn="ctr"/>
+            <a:r>
+              <a:rPr lang="en-US" dirty="0"/>
+              <a:t>Sender Exclusive Memory</a:t>
+            </a:r>
+          </a:p>
+        </p:txBody>
+      </p:sp>
+      <p:cxnSp>
+        <p:nvCxnSpPr>
+          <p:cNvPr id="54" name="Straight Connector 53">
+            <a:extLst>
+              <a:ext uri="{FF2B5EF4-FFF2-40B4-BE49-F238E27FC236}">
+                <a16:creationId xmlns:a16="http://schemas.microsoft.com/office/drawing/2014/main" id="{9A62FFFF-8FD9-4349-A8D5-0B639C83D9A4}"/>
+              </a:ext>
+            </a:extLst>
+          </p:cNvPr>
+          <p:cNvCxnSpPr>
+            <a:cxnSpLocks/>
+          </p:cNvCxnSpPr>
+          <p:nvPr/>
+        </p:nvCxnSpPr>
+        <p:spPr>
+          <a:xfrm flipV="1">
+            <a:off x="2560971" y="3994436"/>
+            <a:ext cx="747959" cy="802756"/>
+          </a:xfrm>
+          <a:prstGeom prst="line">
+            <a:avLst/>
+          </a:prstGeom>
+        </p:spPr>
+        <p:style>
+          <a:lnRef idx="1">
+            <a:schemeClr val="dk1"/>
+          </a:lnRef>
+          <a:fillRef idx="0">
+            <a:schemeClr val="dk1"/>
+          </a:fillRef>
+          <a:effectRef idx="0">
+            <a:schemeClr val="dk1"/>
+          </a:effectRef>
+          <a:fontRef idx="minor">
+            <a:schemeClr val="tx1"/>
+          </a:fontRef>
+        </p:style>
+      </p:cxnSp>
+      <p:sp>
+        <p:nvSpPr>
+          <p:cNvPr id="120" name="Rectangle 119">
+            <a:extLst>
+              <a:ext uri="{FF2B5EF4-FFF2-40B4-BE49-F238E27FC236}">
+                <a16:creationId xmlns:a16="http://schemas.microsoft.com/office/drawing/2014/main" id="{40D9B245-2813-44BE-9AC4-4A184F982E33}"/>
+              </a:ext>
+            </a:extLst>
+          </p:cNvPr>
+          <p:cNvSpPr/>
+          <p:nvPr/>
+        </p:nvSpPr>
+        <p:spPr>
+          <a:xfrm>
+            <a:off x="942156" y="3632964"/>
+            <a:ext cx="1085186" cy="378691"/>
+          </a:xfrm>
+          <a:prstGeom prst="rect">
+            <a:avLst/>
+          </a:prstGeom>
+          <a:ln w="38100"/>
+        </p:spPr>
+        <p:style>
+          <a:lnRef idx="2">
+            <a:schemeClr val="dk1"/>
+          </a:lnRef>
+          <a:fillRef idx="1">
+            <a:schemeClr val="lt1"/>
+          </a:fillRef>
+          <a:effectRef idx="0">
+            <a:schemeClr val="dk1"/>
+          </a:effectRef>
+          <a:fontRef idx="minor">
+            <a:schemeClr val="dk1"/>
+          </a:fontRef>
+        </p:style>
+        <p:txBody>
+          <a:bodyPr rtlCol="0" anchor="ctr"/>
+          <a:lstStyle/>
+          <a:p>
+            <a:pPr algn="ctr"/>
+            <a:r>
+              <a:rPr lang="en-US" dirty="0"/>
+              <a:t>credits</a:t>
+            </a:r>
+          </a:p>
+        </p:txBody>
+      </p:sp>
+      <p:sp>
+        <p:nvSpPr>
+          <p:cNvPr id="121" name="Rectangle 120">
+            <a:extLst>
+              <a:ext uri="{FF2B5EF4-FFF2-40B4-BE49-F238E27FC236}">
+                <a16:creationId xmlns:a16="http://schemas.microsoft.com/office/drawing/2014/main" id="{0CE962F1-6B81-4B67-ABC2-1507E762C4FC}"/>
+              </a:ext>
+            </a:extLst>
+          </p:cNvPr>
+          <p:cNvSpPr/>
+          <p:nvPr/>
+        </p:nvSpPr>
+        <p:spPr>
+          <a:xfrm>
+            <a:off x="930229" y="4117493"/>
+            <a:ext cx="1085186" cy="378691"/>
+          </a:xfrm>
+          <a:prstGeom prst="rect">
+            <a:avLst/>
+          </a:prstGeom>
+          <a:ln w="38100"/>
+        </p:spPr>
+        <p:style>
+          <a:lnRef idx="2">
+            <a:schemeClr val="dk1"/>
+          </a:lnRef>
+          <a:fillRef idx="1">
+            <a:schemeClr val="lt1"/>
+          </a:fillRef>
+          <a:effectRef idx="0">
+            <a:schemeClr val="dk1"/>
+          </a:effectRef>
+          <a:fontRef idx="minor">
+            <a:schemeClr val="dk1"/>
+          </a:fontRef>
+        </p:style>
+        <p:txBody>
+          <a:bodyPr rtlCol="0" anchor="ctr"/>
+          <a:lstStyle/>
+          <a:p>
+            <a:pPr algn="ctr"/>
+            <a:r>
+              <a:rPr lang="en-US" dirty="0"/>
+              <a:t>tail</a:t>
+            </a:r>
+          </a:p>
+        </p:txBody>
+      </p:sp>
+      <p:sp>
+        <p:nvSpPr>
+          <p:cNvPr id="122" name="Rectangle 121">
+            <a:extLst>
+              <a:ext uri="{FF2B5EF4-FFF2-40B4-BE49-F238E27FC236}">
+                <a16:creationId xmlns:a16="http://schemas.microsoft.com/office/drawing/2014/main" id="{2D5C8654-B9F2-444D-806D-533BA91045C5}"/>
+              </a:ext>
+            </a:extLst>
+          </p:cNvPr>
+          <p:cNvSpPr/>
+          <p:nvPr/>
+        </p:nvSpPr>
+        <p:spPr>
+          <a:xfrm>
+            <a:off x="4105651" y="4110628"/>
+            <a:ext cx="1085186" cy="378691"/>
+          </a:xfrm>
+          <a:prstGeom prst="rect">
+            <a:avLst/>
+          </a:prstGeom>
+          <a:ln w="38100"/>
+        </p:spPr>
+        <p:style>
+          <a:lnRef idx="2">
+            <a:schemeClr val="dk1"/>
+          </a:lnRef>
+          <a:fillRef idx="1">
+            <a:schemeClr val="lt1"/>
+          </a:fillRef>
+          <a:effectRef idx="0">
+            <a:schemeClr val="dk1"/>
+          </a:effectRef>
+          <a:fontRef idx="minor">
+            <a:schemeClr val="dk1"/>
+          </a:fontRef>
+        </p:style>
+        <p:txBody>
+          <a:bodyPr rtlCol="0" anchor="ctr"/>
+          <a:lstStyle/>
+          <a:p>
+            <a:pPr algn="ctr"/>
+            <a:r>
+              <a:rPr lang="en-US" dirty="0"/>
+              <a:t>head</a:t>
+            </a:r>
+          </a:p>
+        </p:txBody>
+      </p:sp>
+      <p:cxnSp>
+        <p:nvCxnSpPr>
+          <p:cNvPr id="56" name="Straight Connector 55">
+            <a:extLst>
+              <a:ext uri="{FF2B5EF4-FFF2-40B4-BE49-F238E27FC236}">
+                <a16:creationId xmlns:a16="http://schemas.microsoft.com/office/drawing/2014/main" id="{17CB2AE2-AC3D-4209-8CC5-62540C95FE3D}"/>
+              </a:ext>
+            </a:extLst>
+          </p:cNvPr>
+          <p:cNvCxnSpPr>
+            <a:cxnSpLocks/>
+          </p:cNvCxnSpPr>
+          <p:nvPr/>
+        </p:nvCxnSpPr>
+        <p:spPr>
+          <a:xfrm flipH="1" flipV="1">
+            <a:off x="3511316" y="3994435"/>
+            <a:ext cx="2584680" cy="809697"/>
+          </a:xfrm>
+          <a:prstGeom prst="line">
+            <a:avLst/>
+          </a:prstGeom>
+        </p:spPr>
+        <p:style>
+          <a:lnRef idx="1">
+            <a:schemeClr val="dk1"/>
+          </a:lnRef>
+          <a:fillRef idx="0">
+            <a:schemeClr val="dk1"/>
+          </a:fillRef>
+          <a:effectRef idx="0">
+            <a:schemeClr val="dk1"/>
+          </a:effectRef>
+          <a:fontRef idx="minor">
+            <a:schemeClr val="tx1"/>
+          </a:fontRef>
+        </p:style>
+      </p:cxnSp>
+    </p:spTree>
+    <p:extLst>
+      <p:ext uri="{BB962C8B-B14F-4D97-AF65-F5344CB8AC3E}">
+        <p14:creationId xmlns:p14="http://schemas.microsoft.com/office/powerpoint/2010/main" val="3520081233"/>
+      </p:ext>
+    </p:extLst>
+  </p:cSld>
+  <p:clrMapOvr>
+    <a:masterClrMapping/>
+  </p:clrMapOvr>
+</p:sld>
+</file>
+
+<file path=ppt/slides/slide2.xml><?xml version="1.0" encoding="utf-8"?>
+<p:sld xmlns:a="http://schemas.openxmlformats.org/drawingml/2006/main" xmlns:r="http://schemas.openxmlformats.org/officeDocument/2006/relationships" xmlns:p="http://schemas.openxmlformats.org/presentationml/2006/main">
+  <p:cSld>
+    <p:spTree>
+      <p:nvGrpSpPr>
+        <p:cNvPr id="1" name=""/>
+        <p:cNvGrpSpPr/>
+        <p:nvPr/>
+      </p:nvGrpSpPr>
+      <p:grpSpPr>
+        <a:xfrm>
+          <a:off x="0" y="0"/>
+          <a:ext cx="0" cy="0"/>
+          <a:chOff x="0" y="0"/>
+          <a:chExt cx="0" cy="0"/>
+        </a:xfrm>
+      </p:grpSpPr>
+      <p:sp>
+        <p:nvSpPr>
+          <p:cNvPr id="2" name="Rectangle 1">
+            <a:extLst>
+              <a:ext uri="{FF2B5EF4-FFF2-40B4-BE49-F238E27FC236}">
+                <a16:creationId xmlns:a16="http://schemas.microsoft.com/office/drawing/2014/main" id="{DF07540E-1D35-47F5-B5B4-3A73B7DCA238}"/>
+              </a:ext>
+            </a:extLst>
+          </p:cNvPr>
+          <p:cNvSpPr/>
+          <p:nvPr/>
+        </p:nvSpPr>
+        <p:spPr>
+          <a:xfrm>
+            <a:off x="3292762" y="4180309"/>
+            <a:ext cx="2600038" cy="378691"/>
+          </a:xfrm>
+          <a:prstGeom prst="rect">
+            <a:avLst/>
+          </a:prstGeom>
+          <a:ln w="38100"/>
+        </p:spPr>
+        <p:style>
+          <a:lnRef idx="2">
+            <a:schemeClr val="dk1"/>
+          </a:lnRef>
+          <a:fillRef idx="1">
+            <a:schemeClr val="lt1"/>
+          </a:fillRef>
+          <a:effectRef idx="0">
+            <a:schemeClr val="dk1"/>
+          </a:effectRef>
+          <a:fontRef idx="minor">
+            <a:schemeClr val="dk1"/>
+          </a:fontRef>
+        </p:style>
+        <p:txBody>
+          <a:bodyPr rtlCol="0" anchor="ctr"/>
+          <a:lstStyle/>
+          <a:p>
+            <a:pPr algn="ctr"/>
+            <a:r>
+              <a:rPr lang="en-US" dirty="0" err="1"/>
+              <a:t>Recv</a:t>
+            </a:r>
+            <a:r>
+              <a:rPr lang="en-US" dirty="0"/>
+              <a:t> FD array</a:t>
+            </a:r>
+          </a:p>
+        </p:txBody>
+      </p:sp>
+      <p:cxnSp>
+        <p:nvCxnSpPr>
+          <p:cNvPr id="3" name="Straight Connector 2">
+            <a:extLst>
+              <a:ext uri="{FF2B5EF4-FFF2-40B4-BE49-F238E27FC236}">
+                <a16:creationId xmlns:a16="http://schemas.microsoft.com/office/drawing/2014/main" id="{F0ADA40B-BB3C-47E4-8D92-90DA1B418B63}"/>
+              </a:ext>
+            </a:extLst>
+          </p:cNvPr>
+          <p:cNvCxnSpPr/>
+          <p:nvPr/>
+        </p:nvCxnSpPr>
+        <p:spPr>
+          <a:xfrm>
+            <a:off x="5451400" y="4180309"/>
             <a:ext cx="0" cy="378691"/>
           </a:xfrm>
           <a:prstGeom prst="line">
@@ -4519,10 +4984,10 @@
       </p:cxnSp>
       <p:cxnSp>
         <p:nvCxnSpPr>
-          <p:cNvPr id="37" name="Straight Connector 36">
-            <a:extLst>
-              <a:ext uri="{FF2B5EF4-FFF2-40B4-BE49-F238E27FC236}">
-                <a16:creationId xmlns:a16="http://schemas.microsoft.com/office/drawing/2014/main" id="{52259B67-F640-457F-BE1F-76699F110D2F}"/>
+          <p:cNvPr id="4" name="Straight Connector 3">
+            <a:extLst>
+              <a:ext uri="{FF2B5EF4-FFF2-40B4-BE49-F238E27FC236}">
+                <a16:creationId xmlns:a16="http://schemas.microsoft.com/office/drawing/2014/main" id="{23739AB6-778D-4C80-A488-2E6A0467601D}"/>
               </a:ext>
             </a:extLst>
           </p:cNvPr>
@@ -4531,7 +4996,198 @@
         </p:nvCxnSpPr>
         <p:spPr>
           <a:xfrm>
-            <a:off x="5661891" y="2775526"/>
+            <a:off x="5661891" y="4181194"/>
+            <a:ext cx="0" cy="378691"/>
+          </a:xfrm>
+          <a:prstGeom prst="line">
+            <a:avLst/>
+          </a:prstGeom>
+          <a:ln w="38100">
+            <a:solidFill>
+              <a:schemeClr val="tx1"/>
+            </a:solidFill>
+          </a:ln>
+        </p:spPr>
+        <p:style>
+          <a:lnRef idx="1">
+            <a:schemeClr val="accent1"/>
+          </a:lnRef>
+          <a:fillRef idx="0">
+            <a:schemeClr val="accent1"/>
+          </a:fillRef>
+          <a:effectRef idx="0">
+            <a:schemeClr val="accent1"/>
+          </a:effectRef>
+          <a:fontRef idx="minor">
+            <a:schemeClr val="tx1"/>
+          </a:fontRef>
+        </p:style>
+      </p:cxnSp>
+      <p:sp>
+        <p:nvSpPr>
+          <p:cNvPr id="5" name="Rectangle 4">
+            <a:extLst>
+              <a:ext uri="{FF2B5EF4-FFF2-40B4-BE49-F238E27FC236}">
+                <a16:creationId xmlns:a16="http://schemas.microsoft.com/office/drawing/2014/main" id="{4A34BB32-F0A5-45C1-A711-AC9236D8DAE9}"/>
+              </a:ext>
+            </a:extLst>
+          </p:cNvPr>
+          <p:cNvSpPr/>
+          <p:nvPr/>
+        </p:nvSpPr>
+        <p:spPr>
+          <a:xfrm>
+            <a:off x="3292762" y="4691895"/>
+            <a:ext cx="1362369" cy="378691"/>
+          </a:xfrm>
+          <a:prstGeom prst="rect">
+            <a:avLst/>
+          </a:prstGeom>
+          <a:ln w="38100"/>
+        </p:spPr>
+        <p:style>
+          <a:lnRef idx="2">
+            <a:schemeClr val="dk1"/>
+          </a:lnRef>
+          <a:fillRef idx="1">
+            <a:schemeClr val="lt1"/>
+          </a:fillRef>
+          <a:effectRef idx="0">
+            <a:schemeClr val="dk1"/>
+          </a:effectRef>
+          <a:fontRef idx="minor">
+            <a:schemeClr val="dk1"/>
+          </a:fontRef>
+        </p:style>
+        <p:txBody>
+          <a:bodyPr rtlCol="0" anchor="ctr"/>
+          <a:lstStyle/>
+          <a:p>
+            <a:pPr algn="ctr"/>
+            <a:r>
+              <a:rPr lang="en-US" dirty="0" err="1"/>
+              <a:t>Epoll</a:t>
+            </a:r>
+            <a:r>
+              <a:rPr lang="en-US" dirty="0"/>
+              <a:t> bitmap</a:t>
+            </a:r>
+          </a:p>
+        </p:txBody>
+      </p:sp>
+      <p:sp>
+        <p:nvSpPr>
+          <p:cNvPr id="6" name="Rectangle 5">
+            <a:extLst>
+              <a:ext uri="{FF2B5EF4-FFF2-40B4-BE49-F238E27FC236}">
+                <a16:creationId xmlns:a16="http://schemas.microsoft.com/office/drawing/2014/main" id="{B9945BEA-C979-40DF-8E3B-1DC2B1150BB8}"/>
+              </a:ext>
+            </a:extLst>
+          </p:cNvPr>
+          <p:cNvSpPr/>
+          <p:nvPr/>
+        </p:nvSpPr>
+        <p:spPr>
+          <a:xfrm>
+            <a:off x="4807615" y="4685190"/>
+            <a:ext cx="1085186" cy="378691"/>
+          </a:xfrm>
+          <a:prstGeom prst="rect">
+            <a:avLst/>
+          </a:prstGeom>
+          <a:ln w="38100"/>
+        </p:spPr>
+        <p:style>
+          <a:lnRef idx="2">
+            <a:schemeClr val="dk1"/>
+          </a:lnRef>
+          <a:fillRef idx="1">
+            <a:schemeClr val="lt1"/>
+          </a:fillRef>
+          <a:effectRef idx="0">
+            <a:schemeClr val="dk1"/>
+          </a:effectRef>
+          <a:fontRef idx="minor">
+            <a:schemeClr val="dk1"/>
+          </a:fontRef>
+        </p:style>
+        <p:txBody>
+          <a:bodyPr rtlCol="0" anchor="ctr"/>
+          <a:lstStyle/>
+          <a:p>
+            <a:pPr algn="ctr"/>
+            <a:r>
+              <a:rPr lang="en-US" dirty="0"/>
+              <a:t>queues</a:t>
+            </a:r>
+          </a:p>
+        </p:txBody>
+      </p:sp>
+      <p:sp>
+        <p:nvSpPr>
+          <p:cNvPr id="7" name="Rectangle 6">
+            <a:extLst>
+              <a:ext uri="{FF2B5EF4-FFF2-40B4-BE49-F238E27FC236}">
+                <a16:creationId xmlns:a16="http://schemas.microsoft.com/office/drawing/2014/main" id="{04AAEA8F-5E3F-4219-A9C5-740B8BD627CF}"/>
+              </a:ext>
+            </a:extLst>
+          </p:cNvPr>
+          <p:cNvSpPr/>
+          <p:nvPr/>
+        </p:nvSpPr>
+        <p:spPr>
+          <a:xfrm>
+            <a:off x="476070" y="4177355"/>
+            <a:ext cx="2169341" cy="378691"/>
+          </a:xfrm>
+          <a:prstGeom prst="rect">
+            <a:avLst/>
+          </a:prstGeom>
+          <a:ln w="38100"/>
+        </p:spPr>
+        <p:style>
+          <a:lnRef idx="2">
+            <a:schemeClr val="dk1"/>
+          </a:lnRef>
+          <a:fillRef idx="1">
+            <a:schemeClr val="lt1"/>
+          </a:fillRef>
+          <a:effectRef idx="0">
+            <a:schemeClr val="dk1"/>
+          </a:effectRef>
+          <a:fontRef idx="minor">
+            <a:schemeClr val="dk1"/>
+          </a:fontRef>
+        </p:style>
+        <p:txBody>
+          <a:bodyPr rtlCol="0" anchor="ctr"/>
+          <a:lstStyle/>
+          <a:p>
+            <a:pPr algn="ctr"/>
+            <a:r>
+              <a:rPr lang="en-US" dirty="0"/>
+              <a:t>Send FD array</a:t>
+            </a:r>
+          </a:p>
+        </p:txBody>
+      </p:sp>
+      <p:cxnSp>
+        <p:nvCxnSpPr>
+          <p:cNvPr id="8" name="Straight Connector 7">
+            <a:extLst>
+              <a:ext uri="{FF2B5EF4-FFF2-40B4-BE49-F238E27FC236}">
+                <a16:creationId xmlns:a16="http://schemas.microsoft.com/office/drawing/2014/main" id="{34FEADC9-D202-4BC4-A205-7DCE17F6DCA6}"/>
+              </a:ext>
+            </a:extLst>
+          </p:cNvPr>
+          <p:cNvCxnSpPr>
+            <a:cxnSpLocks/>
+          </p:cNvCxnSpPr>
+          <p:nvPr/>
+        </p:nvCxnSpPr>
+        <p:spPr>
+          <a:xfrm>
+            <a:off x="2273674" y="4177355"/>
             <a:ext cx="0" cy="378691"/>
           </a:xfrm>
           <a:prstGeom prst="line">
@@ -4560,10 +5216,234 @@
       </p:cxnSp>
       <p:cxnSp>
         <p:nvCxnSpPr>
-          <p:cNvPr id="38" name="Straight Connector 37">
-            <a:extLst>
-              <a:ext uri="{FF2B5EF4-FFF2-40B4-BE49-F238E27FC236}">
-                <a16:creationId xmlns:a16="http://schemas.microsoft.com/office/drawing/2014/main" id="{E2BA5CF0-2B9D-4DDD-94C6-579B3C29FE0F}"/>
+          <p:cNvPr id="9" name="Straight Connector 8">
+            <a:extLst>
+              <a:ext uri="{FF2B5EF4-FFF2-40B4-BE49-F238E27FC236}">
+                <a16:creationId xmlns:a16="http://schemas.microsoft.com/office/drawing/2014/main" id="{11CD2B45-645E-4D13-9A15-98846B85044D}"/>
+              </a:ext>
+            </a:extLst>
+          </p:cNvPr>
+          <p:cNvCxnSpPr>
+            <a:cxnSpLocks/>
+          </p:cNvCxnSpPr>
+          <p:nvPr/>
+        </p:nvCxnSpPr>
+        <p:spPr>
+          <a:xfrm>
+            <a:off x="2468123" y="4177355"/>
+            <a:ext cx="0" cy="378691"/>
+          </a:xfrm>
+          <a:prstGeom prst="line">
+            <a:avLst/>
+          </a:prstGeom>
+          <a:ln w="38100">
+            <a:solidFill>
+              <a:schemeClr val="tx1"/>
+            </a:solidFill>
+          </a:ln>
+        </p:spPr>
+        <p:style>
+          <a:lnRef idx="1">
+            <a:schemeClr val="accent1"/>
+          </a:lnRef>
+          <a:fillRef idx="0">
+            <a:schemeClr val="accent1"/>
+          </a:fillRef>
+          <a:effectRef idx="0">
+            <a:schemeClr val="accent1"/>
+          </a:effectRef>
+          <a:fontRef idx="minor">
+            <a:schemeClr val="tx1"/>
+          </a:fontRef>
+        </p:style>
+      </p:cxnSp>
+      <p:sp>
+        <p:nvSpPr>
+          <p:cNvPr id="10" name="Rectangle 9">
+            <a:extLst>
+              <a:ext uri="{FF2B5EF4-FFF2-40B4-BE49-F238E27FC236}">
+                <a16:creationId xmlns:a16="http://schemas.microsoft.com/office/drawing/2014/main" id="{7EC4D33B-4496-43A9-9DB1-4629342C78C6}"/>
+              </a:ext>
+            </a:extLst>
+          </p:cNvPr>
+          <p:cNvSpPr/>
+          <p:nvPr/>
+        </p:nvSpPr>
+        <p:spPr>
+          <a:xfrm>
+            <a:off x="1727361" y="4691895"/>
+            <a:ext cx="1085186" cy="378691"/>
+          </a:xfrm>
+          <a:prstGeom prst="rect">
+            <a:avLst/>
+          </a:prstGeom>
+          <a:ln w="38100"/>
+        </p:spPr>
+        <p:style>
+          <a:lnRef idx="2">
+            <a:schemeClr val="dk1"/>
+          </a:lnRef>
+          <a:fillRef idx="1">
+            <a:schemeClr val="lt1"/>
+          </a:fillRef>
+          <a:effectRef idx="0">
+            <a:schemeClr val="dk1"/>
+          </a:effectRef>
+          <a:fontRef idx="minor">
+            <a:schemeClr val="dk1"/>
+          </a:fontRef>
+        </p:style>
+        <p:txBody>
+          <a:bodyPr rtlCol="0" anchor="ctr"/>
+          <a:lstStyle/>
+          <a:p>
+            <a:pPr algn="ctr"/>
+            <a:r>
+              <a:rPr lang="en-US" dirty="0"/>
+              <a:t>queues</a:t>
+            </a:r>
+          </a:p>
+        </p:txBody>
+      </p:sp>
+      <p:sp>
+        <p:nvSpPr>
+          <p:cNvPr id="11" name="Rectangle 10">
+            <a:extLst>
+              <a:ext uri="{FF2B5EF4-FFF2-40B4-BE49-F238E27FC236}">
+                <a16:creationId xmlns:a16="http://schemas.microsoft.com/office/drawing/2014/main" id="{2F8A3F88-65E2-4E7B-B475-D5C3AE2EEB3F}"/>
+              </a:ext>
+            </a:extLst>
+          </p:cNvPr>
+          <p:cNvSpPr/>
+          <p:nvPr/>
+        </p:nvSpPr>
+        <p:spPr>
+          <a:xfrm>
+            <a:off x="257457" y="4691895"/>
+            <a:ext cx="1362369" cy="378691"/>
+          </a:xfrm>
+          <a:prstGeom prst="rect">
+            <a:avLst/>
+          </a:prstGeom>
+          <a:ln w="38100"/>
+        </p:spPr>
+        <p:style>
+          <a:lnRef idx="2">
+            <a:schemeClr val="dk1"/>
+          </a:lnRef>
+          <a:fillRef idx="1">
+            <a:schemeClr val="lt1"/>
+          </a:fillRef>
+          <a:effectRef idx="0">
+            <a:schemeClr val="dk1"/>
+          </a:effectRef>
+          <a:fontRef idx="minor">
+            <a:schemeClr val="dk1"/>
+          </a:fontRef>
+        </p:style>
+        <p:txBody>
+          <a:bodyPr rtlCol="0" anchor="ctr"/>
+          <a:lstStyle/>
+          <a:p>
+            <a:pPr algn="ctr"/>
+            <a:r>
+              <a:rPr lang="en-US" dirty="0" err="1"/>
+              <a:t>Epoll</a:t>
+            </a:r>
+            <a:r>
+              <a:rPr lang="en-US" dirty="0"/>
+              <a:t> bitmap</a:t>
+            </a:r>
+          </a:p>
+        </p:txBody>
+      </p:sp>
+      <p:sp>
+        <p:nvSpPr>
+          <p:cNvPr id="12" name="Rectangle 11">
+            <a:extLst>
+              <a:ext uri="{FF2B5EF4-FFF2-40B4-BE49-F238E27FC236}">
+                <a16:creationId xmlns:a16="http://schemas.microsoft.com/office/drawing/2014/main" id="{12819CE2-1B02-4017-B4CB-5617E45CDA12}"/>
+              </a:ext>
+            </a:extLst>
+          </p:cNvPr>
+          <p:cNvSpPr/>
+          <p:nvPr/>
+        </p:nvSpPr>
+        <p:spPr>
+          <a:xfrm>
+            <a:off x="3636705" y="5806645"/>
+            <a:ext cx="2457054" cy="369332"/>
+          </a:xfrm>
+          <a:prstGeom prst="rect">
+            <a:avLst/>
+          </a:prstGeom>
+          <a:ln w="38100"/>
+        </p:spPr>
+        <p:style>
+          <a:lnRef idx="2">
+            <a:schemeClr val="dk1"/>
+          </a:lnRef>
+          <a:fillRef idx="1">
+            <a:schemeClr val="lt1"/>
+          </a:fillRef>
+          <a:effectRef idx="0">
+            <a:schemeClr val="dk1"/>
+          </a:effectRef>
+          <a:fontRef idx="minor">
+            <a:schemeClr val="dk1"/>
+          </a:fontRef>
+        </p:style>
+        <p:txBody>
+          <a:bodyPr rtlCol="0" anchor="b"/>
+          <a:lstStyle/>
+          <a:p>
+            <a:pPr algn="ctr"/>
+            <a:endParaRPr lang="en-US" dirty="0"/>
+          </a:p>
+        </p:txBody>
+      </p:sp>
+      <p:sp>
+        <p:nvSpPr>
+          <p:cNvPr id="13" name="TextBox 12">
+            <a:extLst>
+              <a:ext uri="{FF2B5EF4-FFF2-40B4-BE49-F238E27FC236}">
+                <a16:creationId xmlns:a16="http://schemas.microsoft.com/office/drawing/2014/main" id="{85EF0B6E-653C-4738-B979-73A536D519EA}"/>
+              </a:ext>
+            </a:extLst>
+          </p:cNvPr>
+          <p:cNvSpPr txBox="1"/>
+          <p:nvPr/>
+        </p:nvSpPr>
+        <p:spPr>
+          <a:xfrm>
+            <a:off x="4538936" y="5816004"/>
+            <a:ext cx="902230" cy="369332"/>
+          </a:xfrm>
+          <a:prstGeom prst="rect">
+            <a:avLst/>
+          </a:prstGeom>
+          <a:noFill/>
+        </p:spPr>
+        <p:txBody>
+          <a:bodyPr wrap="square" rtlCol="0">
+            <a:spAutoFit/>
+          </a:bodyPr>
+          <a:lstStyle/>
+          <a:p>
+            <a:r>
+              <a:rPr lang="en-US" dirty="0" err="1"/>
+              <a:t>firstptr</a:t>
+            </a:r>
+            <a:endParaRPr lang="en-US" dirty="0"/>
+          </a:p>
+        </p:txBody>
+      </p:sp>
+      <p:cxnSp>
+        <p:nvCxnSpPr>
+          <p:cNvPr id="14" name="Straight Connector 13">
+            <a:extLst>
+              <a:ext uri="{FF2B5EF4-FFF2-40B4-BE49-F238E27FC236}">
+                <a16:creationId xmlns:a16="http://schemas.microsoft.com/office/drawing/2014/main" id="{302BED56-0FEF-4BAD-865F-9B28EF0E0467}"/>
               </a:ext>
             </a:extLst>
           </p:cNvPr>
@@ -4572,7 +5452,119 @@
         </p:nvCxnSpPr>
         <p:spPr>
           <a:xfrm>
-            <a:off x="5661891" y="3306618"/>
+            <a:off x="5332134" y="5797286"/>
+            <a:ext cx="0" cy="378691"/>
+          </a:xfrm>
+          <a:prstGeom prst="line">
+            <a:avLst/>
+          </a:prstGeom>
+          <a:ln w="38100">
+            <a:solidFill>
+              <a:schemeClr val="tx1"/>
+            </a:solidFill>
+          </a:ln>
+        </p:spPr>
+        <p:style>
+          <a:lnRef idx="1">
+            <a:schemeClr val="accent1"/>
+          </a:lnRef>
+          <a:fillRef idx="0">
+            <a:schemeClr val="accent1"/>
+          </a:fillRef>
+          <a:effectRef idx="0">
+            <a:schemeClr val="accent1"/>
+          </a:effectRef>
+          <a:fontRef idx="minor">
+            <a:schemeClr val="tx1"/>
+          </a:fontRef>
+        </p:style>
+      </p:cxnSp>
+      <p:sp>
+        <p:nvSpPr>
+          <p:cNvPr id="15" name="TextBox 14">
+            <a:extLst>
+              <a:ext uri="{FF2B5EF4-FFF2-40B4-BE49-F238E27FC236}">
+                <a16:creationId xmlns:a16="http://schemas.microsoft.com/office/drawing/2014/main" id="{E65D932B-EB4A-4572-831D-0BCDB4C5CDC2}"/>
+              </a:ext>
+            </a:extLst>
+          </p:cNvPr>
+          <p:cNvSpPr txBox="1"/>
+          <p:nvPr/>
+        </p:nvSpPr>
+        <p:spPr>
+          <a:xfrm>
+            <a:off x="5332134" y="5806645"/>
+            <a:ext cx="870191" cy="369332"/>
+          </a:xfrm>
+          <a:prstGeom prst="rect">
+            <a:avLst/>
+          </a:prstGeom>
+          <a:noFill/>
+        </p:spPr>
+        <p:txBody>
+          <a:bodyPr wrap="square" rtlCol="0">
+            <a:spAutoFit/>
+          </a:bodyPr>
+          <a:lstStyle/>
+          <a:p>
+            <a:r>
+              <a:rPr lang="en-US" dirty="0" err="1"/>
+              <a:t>lastptr</a:t>
+            </a:r>
+            <a:endParaRPr lang="en-US" dirty="0"/>
+          </a:p>
+        </p:txBody>
+      </p:sp>
+      <p:sp>
+        <p:nvSpPr>
+          <p:cNvPr id="16" name="TextBox 15">
+            <a:extLst>
+              <a:ext uri="{FF2B5EF4-FFF2-40B4-BE49-F238E27FC236}">
+                <a16:creationId xmlns:a16="http://schemas.microsoft.com/office/drawing/2014/main" id="{6A60A527-BC8C-4875-BB6D-EA8B39FA6620}"/>
+              </a:ext>
+            </a:extLst>
+          </p:cNvPr>
+          <p:cNvSpPr txBox="1"/>
+          <p:nvPr/>
+        </p:nvSpPr>
+        <p:spPr>
+          <a:xfrm>
+            <a:off x="3636706" y="5816004"/>
+            <a:ext cx="902230" cy="369332"/>
+          </a:xfrm>
+          <a:prstGeom prst="rect">
+            <a:avLst/>
+          </a:prstGeom>
+          <a:noFill/>
+        </p:spPr>
+        <p:txBody>
+          <a:bodyPr wrap="square" rtlCol="0">
+            <a:spAutoFit/>
+          </a:bodyPr>
+          <a:lstStyle/>
+          <a:p>
+            <a:r>
+              <a:rPr lang="en-US" dirty="0"/>
+              <a:t>queues</a:t>
+            </a:r>
+          </a:p>
+        </p:txBody>
+      </p:sp>
+      <p:cxnSp>
+        <p:nvCxnSpPr>
+          <p:cNvPr id="17" name="Straight Connector 16">
+            <a:extLst>
+              <a:ext uri="{FF2B5EF4-FFF2-40B4-BE49-F238E27FC236}">
+                <a16:creationId xmlns:a16="http://schemas.microsoft.com/office/drawing/2014/main" id="{AD3CD0CE-D256-4E00-B778-0B0D3C4E75B1}"/>
+              </a:ext>
+            </a:extLst>
+          </p:cNvPr>
+          <p:cNvCxnSpPr/>
+          <p:nvPr/>
+        </p:nvCxnSpPr>
+        <p:spPr>
+          <a:xfrm>
+            <a:off x="4538936" y="5816004"/>
             <a:ext cx="0" cy="378691"/>
           </a:xfrm>
           <a:prstGeom prst="line">
@@ -4601,10 +5593,236 @@
       </p:cxnSp>
       <p:cxnSp>
         <p:nvCxnSpPr>
-          <p:cNvPr id="39" name="Straight Connector 38">
-            <a:extLst>
-              <a:ext uri="{FF2B5EF4-FFF2-40B4-BE49-F238E27FC236}">
-                <a16:creationId xmlns:a16="http://schemas.microsoft.com/office/drawing/2014/main" id="{DEEC63DD-FF6D-467A-80A8-865FA264AE7E}"/>
+          <p:cNvPr id="18" name="Straight Connector 17">
+            <a:extLst>
+              <a:ext uri="{FF2B5EF4-FFF2-40B4-BE49-F238E27FC236}">
+                <a16:creationId xmlns:a16="http://schemas.microsoft.com/office/drawing/2014/main" id="{0F89F595-A961-4DAF-A02C-4DAC2EA2D077}"/>
+              </a:ext>
+            </a:extLst>
+          </p:cNvPr>
+          <p:cNvCxnSpPr>
+            <a:cxnSpLocks/>
+          </p:cNvCxnSpPr>
+          <p:nvPr/>
+        </p:nvCxnSpPr>
+        <p:spPr>
+          <a:xfrm flipH="1" flipV="1">
+            <a:off x="5661891" y="4559000"/>
+            <a:ext cx="427926" cy="1247645"/>
+          </a:xfrm>
+          <a:prstGeom prst="line">
+            <a:avLst/>
+          </a:prstGeom>
+        </p:spPr>
+        <p:style>
+          <a:lnRef idx="1">
+            <a:schemeClr val="dk1"/>
+          </a:lnRef>
+          <a:fillRef idx="0">
+            <a:schemeClr val="dk1"/>
+          </a:fillRef>
+          <a:effectRef idx="0">
+            <a:schemeClr val="dk1"/>
+          </a:effectRef>
+          <a:fontRef idx="minor">
+            <a:schemeClr val="tx1"/>
+          </a:fontRef>
+        </p:style>
+      </p:cxnSp>
+      <p:cxnSp>
+        <p:nvCxnSpPr>
+          <p:cNvPr id="19" name="Straight Connector 18">
+            <a:extLst>
+              <a:ext uri="{FF2B5EF4-FFF2-40B4-BE49-F238E27FC236}">
+                <a16:creationId xmlns:a16="http://schemas.microsoft.com/office/drawing/2014/main" id="{9214A42E-2A33-4B50-87A7-C55E535AD8E6}"/>
+              </a:ext>
+            </a:extLst>
+          </p:cNvPr>
+          <p:cNvCxnSpPr>
+            <a:cxnSpLocks/>
+          </p:cNvCxnSpPr>
+          <p:nvPr/>
+        </p:nvCxnSpPr>
+        <p:spPr>
+          <a:xfrm flipV="1">
+            <a:off x="3633530" y="4559000"/>
+            <a:ext cx="1817870" cy="1238286"/>
+          </a:xfrm>
+          <a:prstGeom prst="line">
+            <a:avLst/>
+          </a:prstGeom>
+        </p:spPr>
+        <p:style>
+          <a:lnRef idx="1">
+            <a:schemeClr val="dk1"/>
+          </a:lnRef>
+          <a:fillRef idx="0">
+            <a:schemeClr val="dk1"/>
+          </a:fillRef>
+          <a:effectRef idx="0">
+            <a:schemeClr val="dk1"/>
+          </a:effectRef>
+          <a:fontRef idx="minor">
+            <a:schemeClr val="tx1"/>
+          </a:fontRef>
+        </p:style>
+      </p:cxnSp>
+      <p:sp>
+        <p:nvSpPr>
+          <p:cNvPr id="20" name="TextBox 19">
+            <a:extLst>
+              <a:ext uri="{FF2B5EF4-FFF2-40B4-BE49-F238E27FC236}">
+                <a16:creationId xmlns:a16="http://schemas.microsoft.com/office/drawing/2014/main" id="{F26D2228-3F6E-4132-B17B-411E8040115E}"/>
+              </a:ext>
+            </a:extLst>
+          </p:cNvPr>
+          <p:cNvSpPr txBox="1"/>
+          <p:nvPr/>
+        </p:nvSpPr>
+        <p:spPr>
+          <a:xfrm>
+            <a:off x="3177224" y="5801965"/>
+            <a:ext cx="433132" cy="369332"/>
+          </a:xfrm>
+          <a:prstGeom prst="rect">
+            <a:avLst/>
+          </a:prstGeom>
+          <a:noFill/>
+        </p:spPr>
+        <p:txBody>
+          <a:bodyPr wrap="none" rtlCol="0">
+            <a:spAutoFit/>
+          </a:bodyPr>
+          <a:lstStyle/>
+          <a:p>
+            <a:r>
+              <a:rPr lang="en-US" dirty="0"/>
+              <a:t>FD</a:t>
+            </a:r>
+          </a:p>
+        </p:txBody>
+      </p:sp>
+      <p:sp>
+        <p:nvSpPr>
+          <p:cNvPr id="21" name="Rectangle 20">
+            <a:extLst>
+              <a:ext uri="{FF2B5EF4-FFF2-40B4-BE49-F238E27FC236}">
+                <a16:creationId xmlns:a16="http://schemas.microsoft.com/office/drawing/2014/main" id="{A164D360-AF72-4F40-9384-A5D3981D2F2C}"/>
+              </a:ext>
+            </a:extLst>
+          </p:cNvPr>
+          <p:cNvSpPr/>
+          <p:nvPr/>
+        </p:nvSpPr>
+        <p:spPr>
+          <a:xfrm>
+            <a:off x="573487" y="5792606"/>
+            <a:ext cx="2457054" cy="369332"/>
+          </a:xfrm>
+          <a:prstGeom prst="rect">
+            <a:avLst/>
+          </a:prstGeom>
+          <a:ln w="38100"/>
+        </p:spPr>
+        <p:style>
+          <a:lnRef idx="2">
+            <a:schemeClr val="dk1"/>
+          </a:lnRef>
+          <a:fillRef idx="1">
+            <a:schemeClr val="lt1"/>
+          </a:fillRef>
+          <a:effectRef idx="0">
+            <a:schemeClr val="dk1"/>
+          </a:effectRef>
+          <a:fontRef idx="minor">
+            <a:schemeClr val="dk1"/>
+          </a:fontRef>
+        </p:style>
+        <p:txBody>
+          <a:bodyPr rtlCol="0" anchor="b"/>
+          <a:lstStyle/>
+          <a:p>
+            <a:pPr algn="ctr"/>
+            <a:endParaRPr lang="en-US" dirty="0"/>
+          </a:p>
+        </p:txBody>
+      </p:sp>
+      <p:sp>
+        <p:nvSpPr>
+          <p:cNvPr id="22" name="TextBox 21">
+            <a:extLst>
+              <a:ext uri="{FF2B5EF4-FFF2-40B4-BE49-F238E27FC236}">
+                <a16:creationId xmlns:a16="http://schemas.microsoft.com/office/drawing/2014/main" id="{A00C4EC5-1C5E-4A34-AE1F-EC5BFA934DBD}"/>
+              </a:ext>
+            </a:extLst>
+          </p:cNvPr>
+          <p:cNvSpPr txBox="1"/>
+          <p:nvPr/>
+        </p:nvSpPr>
+        <p:spPr>
+          <a:xfrm>
+            <a:off x="1475718" y="5801965"/>
+            <a:ext cx="902230" cy="369332"/>
+          </a:xfrm>
+          <a:prstGeom prst="rect">
+            <a:avLst/>
+          </a:prstGeom>
+          <a:noFill/>
+        </p:spPr>
+        <p:txBody>
+          <a:bodyPr wrap="square" rtlCol="0">
+            <a:spAutoFit/>
+          </a:bodyPr>
+          <a:lstStyle/>
+          <a:p>
+            <a:r>
+              <a:rPr lang="en-US" dirty="0"/>
+              <a:t>credit</a:t>
+            </a:r>
+          </a:p>
+        </p:txBody>
+      </p:sp>
+      <p:sp>
+        <p:nvSpPr>
+          <p:cNvPr id="23" name="TextBox 22">
+            <a:extLst>
+              <a:ext uri="{FF2B5EF4-FFF2-40B4-BE49-F238E27FC236}">
+                <a16:creationId xmlns:a16="http://schemas.microsoft.com/office/drawing/2014/main" id="{1ACB832E-0C66-48EA-AFF5-526059B07FA4}"/>
+              </a:ext>
+            </a:extLst>
+          </p:cNvPr>
+          <p:cNvSpPr txBox="1"/>
+          <p:nvPr/>
+        </p:nvSpPr>
+        <p:spPr>
+          <a:xfrm>
+            <a:off x="573488" y="5801965"/>
+            <a:ext cx="902230" cy="369332"/>
+          </a:xfrm>
+          <a:prstGeom prst="rect">
+            <a:avLst/>
+          </a:prstGeom>
+          <a:noFill/>
+        </p:spPr>
+        <p:txBody>
+          <a:bodyPr wrap="square" rtlCol="0">
+            <a:spAutoFit/>
+          </a:bodyPr>
+          <a:lstStyle/>
+          <a:p>
+            <a:r>
+              <a:rPr lang="en-US" dirty="0"/>
+              <a:t>queues</a:t>
+            </a:r>
+          </a:p>
+        </p:txBody>
+      </p:sp>
+      <p:cxnSp>
+        <p:nvCxnSpPr>
+          <p:cNvPr id="24" name="Straight Connector 23">
+            <a:extLst>
+              <a:ext uri="{FF2B5EF4-FFF2-40B4-BE49-F238E27FC236}">
+                <a16:creationId xmlns:a16="http://schemas.microsoft.com/office/drawing/2014/main" id="{885914DC-947E-470E-B7AA-EA66BF3664CA}"/>
               </a:ext>
             </a:extLst>
           </p:cNvPr>
@@ -4613,7 +5831,7 @@
         </p:nvCxnSpPr>
         <p:spPr>
           <a:xfrm>
-            <a:off x="3523673" y="3306618"/>
+            <a:off x="1475718" y="5801965"/>
             <a:ext cx="0" cy="378691"/>
           </a:xfrm>
           <a:prstGeom prst="line">
@@ -4640,10 +5858,312 @@
           </a:fontRef>
         </p:style>
       </p:cxnSp>
+      <p:sp>
+        <p:nvSpPr>
+          <p:cNvPr id="25" name="TextBox 24">
+            <a:extLst>
+              <a:ext uri="{FF2B5EF4-FFF2-40B4-BE49-F238E27FC236}">
+                <a16:creationId xmlns:a16="http://schemas.microsoft.com/office/drawing/2014/main" id="{AC7749E4-0BDE-4843-B9FE-7FA045B89A4B}"/>
+              </a:ext>
+            </a:extLst>
+          </p:cNvPr>
+          <p:cNvSpPr txBox="1"/>
+          <p:nvPr/>
+        </p:nvSpPr>
+        <p:spPr>
+          <a:xfrm>
+            <a:off x="114006" y="5787926"/>
+            <a:ext cx="433132" cy="369332"/>
+          </a:xfrm>
+          <a:prstGeom prst="rect">
+            <a:avLst/>
+          </a:prstGeom>
+          <a:noFill/>
+        </p:spPr>
+        <p:txBody>
+          <a:bodyPr wrap="none" rtlCol="0">
+            <a:spAutoFit/>
+          </a:bodyPr>
+          <a:lstStyle/>
+          <a:p>
+            <a:r>
+              <a:rPr lang="en-US" dirty="0"/>
+              <a:t>FD</a:t>
+            </a:r>
+          </a:p>
+        </p:txBody>
+      </p:sp>
+      <p:cxnSp>
+        <p:nvCxnSpPr>
+          <p:cNvPr id="26" name="Straight Connector 25">
+            <a:extLst>
+              <a:ext uri="{FF2B5EF4-FFF2-40B4-BE49-F238E27FC236}">
+                <a16:creationId xmlns:a16="http://schemas.microsoft.com/office/drawing/2014/main" id="{B54919A7-BF05-4770-9B11-18C925834963}"/>
+              </a:ext>
+            </a:extLst>
+          </p:cNvPr>
+          <p:cNvCxnSpPr>
+            <a:cxnSpLocks/>
+          </p:cNvCxnSpPr>
+          <p:nvPr/>
+        </p:nvCxnSpPr>
+        <p:spPr>
+          <a:xfrm flipH="1" flipV="1">
+            <a:off x="2471301" y="4554322"/>
+            <a:ext cx="554956" cy="1242965"/>
+          </a:xfrm>
+          <a:prstGeom prst="line">
+            <a:avLst/>
+          </a:prstGeom>
+        </p:spPr>
+        <p:style>
+          <a:lnRef idx="1">
+            <a:schemeClr val="dk1"/>
+          </a:lnRef>
+          <a:fillRef idx="0">
+            <a:schemeClr val="dk1"/>
+          </a:fillRef>
+          <a:effectRef idx="0">
+            <a:schemeClr val="dk1"/>
+          </a:effectRef>
+          <a:fontRef idx="minor">
+            <a:schemeClr val="tx1"/>
+          </a:fontRef>
+        </p:style>
+      </p:cxnSp>
+      <p:cxnSp>
+        <p:nvCxnSpPr>
+          <p:cNvPr id="27" name="Straight Connector 26">
+            <a:extLst>
+              <a:ext uri="{FF2B5EF4-FFF2-40B4-BE49-F238E27FC236}">
+                <a16:creationId xmlns:a16="http://schemas.microsoft.com/office/drawing/2014/main" id="{9DA72865-C0A1-4E22-9410-B025851D3823}"/>
+              </a:ext>
+            </a:extLst>
+          </p:cNvPr>
+          <p:cNvCxnSpPr>
+            <a:cxnSpLocks/>
+          </p:cNvCxnSpPr>
+          <p:nvPr/>
+        </p:nvCxnSpPr>
+        <p:spPr>
+          <a:xfrm flipV="1">
+            <a:off x="567306" y="4554322"/>
+            <a:ext cx="1711276" cy="1226860"/>
+          </a:xfrm>
+          <a:prstGeom prst="line">
+            <a:avLst/>
+          </a:prstGeom>
+        </p:spPr>
+        <p:style>
+          <a:lnRef idx="1">
+            <a:schemeClr val="dk1"/>
+          </a:lnRef>
+          <a:fillRef idx="0">
+            <a:schemeClr val="dk1"/>
+          </a:fillRef>
+          <a:effectRef idx="0">
+            <a:schemeClr val="dk1"/>
+          </a:effectRef>
+          <a:fontRef idx="minor">
+            <a:schemeClr val="tx1"/>
+          </a:fontRef>
+        </p:style>
+      </p:cxnSp>
+      <p:sp>
+        <p:nvSpPr>
+          <p:cNvPr id="28" name="Rectangle 27">
+            <a:extLst>
+              <a:ext uri="{FF2B5EF4-FFF2-40B4-BE49-F238E27FC236}">
+                <a16:creationId xmlns:a16="http://schemas.microsoft.com/office/drawing/2014/main" id="{0786EAB3-6988-4FD9-86EB-D8CA26838A22}"/>
+              </a:ext>
+            </a:extLst>
+          </p:cNvPr>
+          <p:cNvSpPr/>
+          <p:nvPr/>
+        </p:nvSpPr>
+        <p:spPr>
+          <a:xfrm>
+            <a:off x="917640" y="6296225"/>
+            <a:ext cx="2457054" cy="369332"/>
+          </a:xfrm>
+          <a:prstGeom prst="rect">
+            <a:avLst/>
+          </a:prstGeom>
+          <a:ln w="38100"/>
+        </p:spPr>
+        <p:style>
+          <a:lnRef idx="2">
+            <a:schemeClr val="dk1"/>
+          </a:lnRef>
+          <a:fillRef idx="1">
+            <a:schemeClr val="lt1"/>
+          </a:fillRef>
+          <a:effectRef idx="0">
+            <a:schemeClr val="dk1"/>
+          </a:effectRef>
+          <a:fontRef idx="minor">
+            <a:schemeClr val="dk1"/>
+          </a:fontRef>
+        </p:style>
+        <p:txBody>
+          <a:bodyPr rtlCol="0" anchor="b"/>
+          <a:lstStyle/>
+          <a:p>
+            <a:pPr algn="ctr"/>
+            <a:endParaRPr lang="en-US" dirty="0"/>
+          </a:p>
+        </p:txBody>
+      </p:sp>
+      <p:sp>
+        <p:nvSpPr>
+          <p:cNvPr id="29" name="TextBox 28">
+            <a:extLst>
+              <a:ext uri="{FF2B5EF4-FFF2-40B4-BE49-F238E27FC236}">
+                <a16:creationId xmlns:a16="http://schemas.microsoft.com/office/drawing/2014/main" id="{5EAF5DF9-C192-44BB-9E8F-F9C6223DBA0D}"/>
+              </a:ext>
+            </a:extLst>
+          </p:cNvPr>
+          <p:cNvSpPr txBox="1"/>
+          <p:nvPr/>
+        </p:nvSpPr>
+        <p:spPr>
+          <a:xfrm>
+            <a:off x="1835175" y="6297334"/>
+            <a:ext cx="902230" cy="369332"/>
+          </a:xfrm>
+          <a:prstGeom prst="rect">
+            <a:avLst/>
+          </a:prstGeom>
+          <a:noFill/>
+        </p:spPr>
+        <p:txBody>
+          <a:bodyPr wrap="square" rtlCol="0">
+            <a:spAutoFit/>
+          </a:bodyPr>
+          <a:lstStyle/>
+          <a:p>
+            <a:r>
+              <a:rPr lang="en-US" dirty="0"/>
+              <a:t>credit</a:t>
+            </a:r>
+          </a:p>
+        </p:txBody>
+      </p:sp>
+      <p:sp>
+        <p:nvSpPr>
+          <p:cNvPr id="30" name="TextBox 29">
+            <a:extLst>
+              <a:ext uri="{FF2B5EF4-FFF2-40B4-BE49-F238E27FC236}">
+                <a16:creationId xmlns:a16="http://schemas.microsoft.com/office/drawing/2014/main" id="{F43B52EC-BF1A-4653-BD8D-2E7A946605DD}"/>
+              </a:ext>
+            </a:extLst>
+          </p:cNvPr>
+          <p:cNvSpPr txBox="1"/>
+          <p:nvPr/>
+        </p:nvSpPr>
+        <p:spPr>
+          <a:xfrm>
+            <a:off x="917641" y="6305584"/>
+            <a:ext cx="902230" cy="369332"/>
+          </a:xfrm>
+          <a:prstGeom prst="rect">
+            <a:avLst/>
+          </a:prstGeom>
+          <a:noFill/>
+        </p:spPr>
+        <p:txBody>
+          <a:bodyPr wrap="square" rtlCol="0">
+            <a:spAutoFit/>
+          </a:bodyPr>
+          <a:lstStyle/>
+          <a:p>
+            <a:r>
+              <a:rPr lang="en-US" dirty="0"/>
+              <a:t>queues</a:t>
+            </a:r>
+          </a:p>
+        </p:txBody>
+      </p:sp>
+      <p:cxnSp>
+        <p:nvCxnSpPr>
+          <p:cNvPr id="31" name="Straight Connector 30">
+            <a:extLst>
+              <a:ext uri="{FF2B5EF4-FFF2-40B4-BE49-F238E27FC236}">
+                <a16:creationId xmlns:a16="http://schemas.microsoft.com/office/drawing/2014/main" id="{79F61800-D468-42F8-B6A3-B02710A4D994}"/>
+              </a:ext>
+            </a:extLst>
+          </p:cNvPr>
+          <p:cNvCxnSpPr/>
+          <p:nvPr/>
+        </p:nvCxnSpPr>
+        <p:spPr>
+          <a:xfrm>
+            <a:off x="1819871" y="6305584"/>
+            <a:ext cx="0" cy="378691"/>
+          </a:xfrm>
+          <a:prstGeom prst="line">
+            <a:avLst/>
+          </a:prstGeom>
+          <a:ln w="38100">
+            <a:solidFill>
+              <a:schemeClr val="tx1"/>
+            </a:solidFill>
+          </a:ln>
+        </p:spPr>
+        <p:style>
+          <a:lnRef idx="1">
+            <a:schemeClr val="accent1"/>
+          </a:lnRef>
+          <a:fillRef idx="0">
+            <a:schemeClr val="accent1"/>
+          </a:fillRef>
+          <a:effectRef idx="0">
+            <a:schemeClr val="accent1"/>
+          </a:effectRef>
+          <a:fontRef idx="minor">
+            <a:schemeClr val="tx1"/>
+          </a:fontRef>
+        </p:style>
+      </p:cxnSp>
+      <p:sp>
+        <p:nvSpPr>
+          <p:cNvPr id="32" name="TextBox 31">
+            <a:extLst>
+              <a:ext uri="{FF2B5EF4-FFF2-40B4-BE49-F238E27FC236}">
+                <a16:creationId xmlns:a16="http://schemas.microsoft.com/office/drawing/2014/main" id="{47640619-A9FA-4D82-A9B5-C25BD87D2FA1}"/>
+              </a:ext>
+            </a:extLst>
+          </p:cNvPr>
+          <p:cNvSpPr txBox="1"/>
+          <p:nvPr/>
+        </p:nvSpPr>
+        <p:spPr>
+          <a:xfrm>
+            <a:off x="118298" y="6296225"/>
+            <a:ext cx="814647" cy="369332"/>
+          </a:xfrm>
+          <a:prstGeom prst="rect">
+            <a:avLst/>
+          </a:prstGeom>
+          <a:noFill/>
+        </p:spPr>
+        <p:txBody>
+          <a:bodyPr wrap="none" rtlCol="0">
+            <a:spAutoFit/>
+          </a:bodyPr>
+          <a:lstStyle/>
+          <a:p>
+            <a:r>
+              <a:rPr lang="en-US" dirty="0"/>
+              <a:t>Queue</a:t>
+            </a:r>
+          </a:p>
+        </p:txBody>
+      </p:sp>
     </p:spTree>
     <p:extLst>
       <p:ext uri="{BB962C8B-B14F-4D97-AF65-F5344CB8AC3E}">
-        <p14:creationId xmlns:p14="http://schemas.microsoft.com/office/powerpoint/2010/main" val="3520081233"/>
+        <p14:creationId xmlns:p14="http://schemas.microsoft.com/office/powerpoint/2010/main" val="3995082322"/>
       </p:ext>
     </p:extLst>
   </p:cSld>

--- a/images/locklessq_new.pptx
+++ b/images/locklessq_new.pptx
@@ -260,7 +260,7 @@
           <a:p>
             <a:fld id="{76ADC07C-83E0-4B89-BE68-6E1FCA5FFADD}" type="datetimeFigureOut">
               <a:rPr lang="en-US" smtClean="0"/>
-              <a:t>9/19/2018</a:t>
+              <a:t>9/21/2018</a:t>
             </a:fld>
             <a:endParaRPr lang="en-US"/>
           </a:p>
@@ -458,7 +458,7 @@
           <a:p>
             <a:fld id="{76ADC07C-83E0-4B89-BE68-6E1FCA5FFADD}" type="datetimeFigureOut">
               <a:rPr lang="en-US" smtClean="0"/>
-              <a:t>9/19/2018</a:t>
+              <a:t>9/21/2018</a:t>
             </a:fld>
             <a:endParaRPr lang="en-US"/>
           </a:p>
@@ -666,7 +666,7 @@
           <a:p>
             <a:fld id="{76ADC07C-83E0-4B89-BE68-6E1FCA5FFADD}" type="datetimeFigureOut">
               <a:rPr lang="en-US" smtClean="0"/>
-              <a:t>9/19/2018</a:t>
+              <a:t>9/21/2018</a:t>
             </a:fld>
             <a:endParaRPr lang="en-US"/>
           </a:p>
@@ -864,7 +864,7 @@
           <a:p>
             <a:fld id="{76ADC07C-83E0-4B89-BE68-6E1FCA5FFADD}" type="datetimeFigureOut">
               <a:rPr lang="en-US" smtClean="0"/>
-              <a:t>9/19/2018</a:t>
+              <a:t>9/21/2018</a:t>
             </a:fld>
             <a:endParaRPr lang="en-US"/>
           </a:p>
@@ -1139,7 +1139,7 @@
           <a:p>
             <a:fld id="{76ADC07C-83E0-4B89-BE68-6E1FCA5FFADD}" type="datetimeFigureOut">
               <a:rPr lang="en-US" smtClean="0"/>
-              <a:t>9/19/2018</a:t>
+              <a:t>9/21/2018</a:t>
             </a:fld>
             <a:endParaRPr lang="en-US"/>
           </a:p>
@@ -1404,7 +1404,7 @@
           <a:p>
             <a:fld id="{76ADC07C-83E0-4B89-BE68-6E1FCA5FFADD}" type="datetimeFigureOut">
               <a:rPr lang="en-US" smtClean="0"/>
-              <a:t>9/19/2018</a:t>
+              <a:t>9/21/2018</a:t>
             </a:fld>
             <a:endParaRPr lang="en-US"/>
           </a:p>
@@ -1816,7 +1816,7 @@
           <a:p>
             <a:fld id="{76ADC07C-83E0-4B89-BE68-6E1FCA5FFADD}" type="datetimeFigureOut">
               <a:rPr lang="en-US" smtClean="0"/>
-              <a:t>9/19/2018</a:t>
+              <a:t>9/21/2018</a:t>
             </a:fld>
             <a:endParaRPr lang="en-US"/>
           </a:p>
@@ -1957,7 +1957,7 @@
           <a:p>
             <a:fld id="{76ADC07C-83E0-4B89-BE68-6E1FCA5FFADD}" type="datetimeFigureOut">
               <a:rPr lang="en-US" smtClean="0"/>
-              <a:t>9/19/2018</a:t>
+              <a:t>9/21/2018</a:t>
             </a:fld>
             <a:endParaRPr lang="en-US"/>
           </a:p>
@@ -2070,7 +2070,7 @@
           <a:p>
             <a:fld id="{76ADC07C-83E0-4B89-BE68-6E1FCA5FFADD}" type="datetimeFigureOut">
               <a:rPr lang="en-US" smtClean="0"/>
-              <a:t>9/19/2018</a:t>
+              <a:t>9/21/2018</a:t>
             </a:fld>
             <a:endParaRPr lang="en-US"/>
           </a:p>
@@ -2381,7 +2381,7 @@
           <a:p>
             <a:fld id="{76ADC07C-83E0-4B89-BE68-6E1FCA5FFADD}" type="datetimeFigureOut">
               <a:rPr lang="en-US" smtClean="0"/>
-              <a:t>9/19/2018</a:t>
+              <a:t>9/21/2018</a:t>
             </a:fld>
             <a:endParaRPr lang="en-US"/>
           </a:p>
@@ -2669,7 +2669,7 @@
           <a:p>
             <a:fld id="{76ADC07C-83E0-4B89-BE68-6E1FCA5FFADD}" type="datetimeFigureOut">
               <a:rPr lang="en-US" smtClean="0"/>
-              <a:t>9/19/2018</a:t>
+              <a:t>9/21/2018</a:t>
             </a:fld>
             <a:endParaRPr lang="en-US"/>
           </a:p>
@@ -2910,7 +2910,7 @@
           <a:p>
             <a:fld id="{76ADC07C-83E0-4B89-BE68-6E1FCA5FFADD}" type="datetimeFigureOut">
               <a:rPr lang="en-US" smtClean="0"/>
-              <a:t>9/19/2018</a:t>
+              <a:t>9/21/2018</a:t>
             </a:fld>
             <a:endParaRPr lang="en-US"/>
           </a:p>
@@ -4222,7 +4222,7 @@
             <a:pPr algn="ctr"/>
             <a:r>
               <a:rPr lang="en-US" dirty="0"/>
-              <a:t>Receiver Exclusive Memory</a:t>
+              <a:t>Receiver Private Memory</a:t>
             </a:r>
           </a:p>
         </p:txBody>
@@ -4634,7 +4634,7 @@
             <a:pPr algn="ctr"/>
             <a:r>
               <a:rPr lang="en-US" dirty="0"/>
-              <a:t>Sender Exclusive Memory</a:t>
+              <a:t>Sender Private Memory</a:t>
             </a:r>
           </a:p>
         </p:txBody>
